--- a/Dokumente/Coaching/2016-11-02 Präsentation Projektmgmt.pptx
+++ b/Dokumente/Coaching/2016-11-02 Präsentation Projektmgmt.pptx
@@ -5,18 +5,22 @@
     <p:sldMasterId id="2147483717" r:id="rId1"/>
   </p:sldMasterIdLst>
   <p:notesMasterIdLst>
-    <p:notesMasterId r:id="rId8"/>
+    <p:notesMasterId r:id="rId12"/>
   </p:notesMasterIdLst>
   <p:handoutMasterIdLst>
-    <p:handoutMasterId r:id="rId9"/>
+    <p:handoutMasterId r:id="rId13"/>
   </p:handoutMasterIdLst>
   <p:sldIdLst>
     <p:sldId id="264" r:id="rId2"/>
     <p:sldId id="257" r:id="rId3"/>
     <p:sldId id="262" r:id="rId4"/>
-    <p:sldId id="261" r:id="rId5"/>
-    <p:sldId id="260" r:id="rId6"/>
-    <p:sldId id="258" r:id="rId7"/>
+    <p:sldId id="265" r:id="rId5"/>
+    <p:sldId id="261" r:id="rId6"/>
+    <p:sldId id="266" r:id="rId7"/>
+    <p:sldId id="267" r:id="rId8"/>
+    <p:sldId id="260" r:id="rId9"/>
+    <p:sldId id="268" r:id="rId10"/>
+    <p:sldId id="258" r:id="rId11"/>
   </p:sldIdLst>
   <p:sldSz cx="9144000" cy="6858000" type="screen4x3"/>
   <p:notesSz cx="6797675" cy="9926638"/>
@@ -1219,7 +1223,7 @@
             <a:fld id="{8426A7F1-0133-4B6D-B64E-78406E14DC8C}" type="slidenum">
               <a:rPr lang="de-DE" altLang="de-DE" smtClean="0"/>
               <a:pPr eaLnBrk="1" hangingPunct="1"/>
-              <a:t>6</a:t>
+              <a:t>10</a:t>
             </a:fld>
             <a:endParaRPr lang="de-DE" altLang="de-DE" smtClean="0"/>
           </a:p>
@@ -3857,6 +3861,22 @@
               </a:rPr>
               <a:t>FreeSpace</a:t>
             </a:r>
+            <a:r>
+              <a:rPr lang="de-DE" sz="3200" dirty="0" smtClean="0">
+                <a:solidFill>
+                  <a:srgbClr val="00B1AC"/>
+                </a:solidFill>
+              </a:rPr>
+              <a:t> - </a:t>
+            </a:r>
+            <a:r>
+              <a:rPr lang="de-DE" sz="3200" dirty="0" err="1" smtClean="0">
+                <a:solidFill>
+                  <a:srgbClr val="00B1AC"/>
+                </a:solidFill>
+              </a:rPr>
+              <a:t>Raumverwaltungsapp</a:t>
+            </a:r>
             <a:endParaRPr lang="de-DE" sz="3200" dirty="0">
               <a:solidFill>
                 <a:srgbClr val="00B1AC"/>
@@ -3880,7 +3900,17 @@
           <a:bodyPr/>
           <a:lstStyle/>
           <a:p>
-            <a:endParaRPr lang="de-DE" dirty="0" smtClean="0"/>
+            <a:r>
+              <a:rPr lang="de-DE" sz="2000" dirty="0" smtClean="0"/>
+              <a:t>SWE Projekt WS16/17</a:t>
+            </a:r>
+          </a:p>
+          <a:p>
+            <a:r>
+              <a:rPr lang="de-DE" sz="1400" dirty="0" smtClean="0"/>
+              <a:t>Gruppe 4, PO 2013</a:t>
+            </a:r>
+            <a:endParaRPr lang="de-DE" sz="1400" dirty="0" smtClean="0"/>
           </a:p>
         </p:txBody>
       </p:sp>
@@ -3942,6 +3972,275 @@
   <p:clrMapOvr>
     <a:masterClrMapping/>
   </p:clrMapOvr>
+</p:sld>
+</file>
+
+<file path=ppt/slides/slide10.xml><?xml version="1.0" encoding="utf-8"?>
+<p:sld xmlns:a="http://schemas.openxmlformats.org/drawingml/2006/main" xmlns:r="http://schemas.openxmlformats.org/officeDocument/2006/relationships" xmlns:p="http://schemas.openxmlformats.org/presentationml/2006/main">
+  <p:cSld>
+    <p:spTree>
+      <p:nvGrpSpPr>
+        <p:cNvPr id="1" name=""/>
+        <p:cNvGrpSpPr/>
+        <p:nvPr/>
+      </p:nvGrpSpPr>
+      <p:grpSpPr>
+        <a:xfrm>
+          <a:off x="0" y="0"/>
+          <a:ext cx="0" cy="0"/>
+          <a:chOff x="0" y="0"/>
+          <a:chExt cx="0" cy="0"/>
+        </a:xfrm>
+      </p:grpSpPr>
+      <p:sp>
+        <p:nvSpPr>
+          <p:cNvPr id="11266" name="Titel 5"/>
+          <p:cNvSpPr>
+            <a:spLocks noGrp="1"/>
+          </p:cNvSpPr>
+          <p:nvPr>
+            <p:ph type="ctrTitle"/>
+          </p:nvPr>
+        </p:nvSpPr>
+        <p:spPr>
+          <a:xfrm>
+            <a:off x="251520" y="3284984"/>
+            <a:ext cx="8064500" cy="2519363"/>
+          </a:xfrm>
+        </p:spPr>
+        <p:txBody>
+          <a:bodyPr/>
+          <a:lstStyle/>
+          <a:p>
+            <a:r>
+              <a:rPr lang="de-DE" altLang="de-DE" dirty="0" smtClean="0"/>
+              <a:t>FH Aachen </a:t>
+            </a:r>
+            <a:br>
+              <a:rPr lang="de-DE" altLang="de-DE" dirty="0" smtClean="0"/>
+            </a:br>
+            <a:r>
+              <a:rPr lang="de-DE" altLang="de-DE" dirty="0" smtClean="0"/>
+              <a:t>SWE Projekt WS16/17</a:t>
+            </a:r>
+            <a:r>
+              <a:rPr lang="de-DE" altLang="de-DE" dirty="0" smtClean="0"/>
+              <a:t/>
+            </a:r>
+            <a:br>
+              <a:rPr lang="de-DE" altLang="de-DE" dirty="0" smtClean="0"/>
+            </a:br>
+            <a:r>
+              <a:rPr lang="de-DE" altLang="de-DE" dirty="0" smtClean="0"/>
+              <a:t/>
+            </a:r>
+            <a:br>
+              <a:rPr lang="de-DE" altLang="de-DE" dirty="0" smtClean="0"/>
+            </a:br>
+            <a:r>
+              <a:rPr lang="de-DE" altLang="de-DE" dirty="0" smtClean="0"/>
+              <a:t>Gruppe 4, PO 2013</a:t>
+            </a:r>
+            <a:r>
+              <a:rPr lang="de-DE" altLang="de-DE" dirty="0" smtClean="0"/>
+              <a:t/>
+            </a:r>
+            <a:br>
+              <a:rPr lang="de-DE" altLang="de-DE" dirty="0" smtClean="0"/>
+            </a:br>
+            <a:r>
+              <a:rPr lang="de-DE" altLang="de-DE" dirty="0" smtClean="0"/>
+              <a:t/>
+            </a:r>
+            <a:br>
+              <a:rPr lang="de-DE" altLang="de-DE" dirty="0" smtClean="0"/>
+            </a:br>
+            <a:r>
+              <a:rPr lang="de-DE" altLang="de-DE" dirty="0" smtClean="0"/>
+              <a:t/>
+            </a:r>
+            <a:br>
+              <a:rPr lang="de-DE" altLang="de-DE" dirty="0" smtClean="0"/>
+            </a:br>
+            <a:r>
+              <a:rPr lang="de-DE" altLang="de-DE" dirty="0" smtClean="0"/>
+              <a:t>www.fh-aachen.de</a:t>
+            </a:r>
+          </a:p>
+        </p:txBody>
+      </p:sp>
+      <p:sp>
+        <p:nvSpPr>
+          <p:cNvPr id="11267" name="Fußzeilenplatzhalter 3"/>
+          <p:cNvSpPr>
+            <a:spLocks noGrp="1"/>
+          </p:cNvSpPr>
+          <p:nvPr>
+            <p:ph type="ftr" sz="quarter" idx="10"/>
+          </p:nvPr>
+        </p:nvSpPr>
+        <p:spPr bwMode="auto">
+          <a:noFill/>
+          <a:extLst>
+            <a:ext uri="{909E8E84-426E-40DD-AFC4-6F175D3DCCD1}">
+              <a14:hiddenFill xmlns:a14="http://schemas.microsoft.com/office/drawing/2010/main" xmlns="">
+                <a:solidFill>
+                  <a:srgbClr val="FFFFFF"/>
+                </a:solidFill>
+              </a14:hiddenFill>
+            </a:ext>
+            <a:ext uri="{91240B29-F687-4F45-9708-019B960494DF}">
+              <a14:hiddenLine xmlns:a14="http://schemas.microsoft.com/office/drawing/2010/main" xmlns="" w="9525">
+                <a:solidFill>
+                  <a:srgbClr val="000000"/>
+                </a:solidFill>
+                <a:miter lim="800000"/>
+                <a:headEnd/>
+                <a:tailEnd/>
+              </a14:hiddenLine>
+            </a:ext>
+          </a:extLst>
+        </p:spPr>
+        <p:txBody>
+          <a:bodyPr wrap="square" numCol="1" compatLnSpc="1">
+            <a:prstTxWarp prst="textNoShape">
+              <a:avLst/>
+            </a:prstTxWarp>
+          </a:bodyPr>
+          <a:lstStyle>
+            <a:lvl1pPr eaLnBrk="0" hangingPunct="0">
+              <a:defRPr>
+                <a:solidFill>
+                  <a:schemeClr val="tx1"/>
+                </a:solidFill>
+                <a:latin typeface="Arial" charset="0"/>
+              </a:defRPr>
+            </a:lvl1pPr>
+            <a:lvl2pPr marL="742950" indent="-285750" eaLnBrk="0" hangingPunct="0">
+              <a:defRPr>
+                <a:solidFill>
+                  <a:schemeClr val="tx1"/>
+                </a:solidFill>
+                <a:latin typeface="Arial" charset="0"/>
+              </a:defRPr>
+            </a:lvl2pPr>
+            <a:lvl3pPr marL="1143000" indent="-228600" eaLnBrk="0" hangingPunct="0">
+              <a:defRPr>
+                <a:solidFill>
+                  <a:schemeClr val="tx1"/>
+                </a:solidFill>
+                <a:latin typeface="Arial" charset="0"/>
+              </a:defRPr>
+            </a:lvl3pPr>
+            <a:lvl4pPr marL="1600200" indent="-228600" eaLnBrk="0" hangingPunct="0">
+              <a:defRPr>
+                <a:solidFill>
+                  <a:schemeClr val="tx1"/>
+                </a:solidFill>
+                <a:latin typeface="Arial" charset="0"/>
+              </a:defRPr>
+            </a:lvl4pPr>
+            <a:lvl5pPr marL="2057400" indent="-228600" eaLnBrk="0" hangingPunct="0">
+              <a:defRPr>
+                <a:solidFill>
+                  <a:schemeClr val="tx1"/>
+                </a:solidFill>
+                <a:latin typeface="Arial" charset="0"/>
+              </a:defRPr>
+            </a:lvl5pPr>
+            <a:lvl6pPr marL="2514600" indent="-228600" eaLnBrk="0" fontAlgn="base" hangingPunct="0">
+              <a:spcBef>
+                <a:spcPct val="0"/>
+              </a:spcBef>
+              <a:spcAft>
+                <a:spcPct val="0"/>
+              </a:spcAft>
+              <a:defRPr>
+                <a:solidFill>
+                  <a:schemeClr val="tx1"/>
+                </a:solidFill>
+                <a:latin typeface="Arial" charset="0"/>
+              </a:defRPr>
+            </a:lvl6pPr>
+            <a:lvl7pPr marL="2971800" indent="-228600" eaLnBrk="0" fontAlgn="base" hangingPunct="0">
+              <a:spcBef>
+                <a:spcPct val="0"/>
+              </a:spcBef>
+              <a:spcAft>
+                <a:spcPct val="0"/>
+              </a:spcAft>
+              <a:defRPr>
+                <a:solidFill>
+                  <a:schemeClr val="tx1"/>
+                </a:solidFill>
+                <a:latin typeface="Arial" charset="0"/>
+              </a:defRPr>
+            </a:lvl7pPr>
+            <a:lvl8pPr marL="3429000" indent="-228600" eaLnBrk="0" fontAlgn="base" hangingPunct="0">
+              <a:spcBef>
+                <a:spcPct val="0"/>
+              </a:spcBef>
+              <a:spcAft>
+                <a:spcPct val="0"/>
+              </a:spcAft>
+              <a:defRPr>
+                <a:solidFill>
+                  <a:schemeClr val="tx1"/>
+                </a:solidFill>
+                <a:latin typeface="Arial" charset="0"/>
+              </a:defRPr>
+            </a:lvl8pPr>
+            <a:lvl9pPr marL="3886200" indent="-228600" eaLnBrk="0" fontAlgn="base" hangingPunct="0">
+              <a:spcBef>
+                <a:spcPct val="0"/>
+              </a:spcBef>
+              <a:spcAft>
+                <a:spcPct val="0"/>
+              </a:spcAft>
+              <a:defRPr>
+                <a:solidFill>
+                  <a:schemeClr val="tx1"/>
+                </a:solidFill>
+                <a:latin typeface="Arial" charset="0"/>
+              </a:defRPr>
+            </a:lvl9pPr>
+          </a:lstStyle>
+          <a:p>
+            <a:pPr eaLnBrk="1" fontAlgn="base" hangingPunct="1">
+              <a:spcBef>
+                <a:spcPct val="0"/>
+              </a:spcBef>
+              <a:spcAft>
+                <a:spcPct val="0"/>
+              </a:spcAft>
+            </a:pPr>
+            <a:r>
+              <a:rPr lang="de-DE" altLang="de-DE" b="1" dirty="0" smtClean="0">
+                <a:latin typeface="Verdana" pitchFamily="34" charset="0"/>
+              </a:rPr>
+              <a:t>© FH AACHEN </a:t>
+            </a:r>
+            <a:r>
+              <a:rPr lang="de-DE" altLang="de-DE" dirty="0" smtClean="0">
+                <a:latin typeface="Verdana" pitchFamily="34" charset="0"/>
+              </a:rPr>
+              <a:t>UNIVERSITY OF APPLIED SCIENCES  |  FACHBEREICH XXXXXX XXXXXXXXXXXXX  |  WWW.FH-AACHEN.DE</a:t>
+            </a:r>
+          </a:p>
+        </p:txBody>
+      </p:sp>
+    </p:spTree>
+  </p:cSld>
+  <p:clrMapOvr>
+    <a:masterClrMapping/>
+  </p:clrMapOvr>
+  <p:timing>
+    <p:tnLst>
+      <p:par>
+        <p:cTn id="1" dur="indefinite" restart="never" nodeType="tmRoot"/>
+      </p:par>
+    </p:tnLst>
+  </p:timing>
 </p:sld>
 </file>
 
@@ -4021,8 +4320,9 @@
             </a:pPr>
             <a:r>
               <a:rPr lang="de-DE" altLang="de-DE" dirty="0" smtClean="0"/>
-              <a:t>Erste Ebene</a:t>
-            </a:r>
+              <a:t>Kundentermin 26.10.</a:t>
+            </a:r>
+            <a:endParaRPr lang="de-DE" altLang="de-DE" dirty="0" smtClean="0"/>
           </a:p>
           <a:p>
             <a:pPr marL="342900" indent="-342900">
@@ -4037,35 +4337,9 @@
             </a:pPr>
             <a:r>
               <a:rPr lang="de-DE" altLang="de-DE" dirty="0" smtClean="0"/>
-              <a:t>Erste Ebene</a:t>
-            </a:r>
-          </a:p>
-          <a:p>
-            <a:pPr marL="1066800" lvl="2" indent="-342900">
-              <a:spcBef>
-                <a:spcPct val="0"/>
-              </a:spcBef>
-              <a:buFont typeface="Arial" panose="020B0604020202020204" pitchFamily="34" charset="0"/>
-              <a:buChar char="•"/>
-            </a:pPr>
-            <a:r>
-              <a:rPr lang="de-DE" altLang="de-DE" dirty="0" smtClean="0"/>
-              <a:t>Zweite Ebene</a:t>
-            </a:r>
-            <a:endParaRPr lang="de-DE" altLang="de-DE" dirty="0"/>
-          </a:p>
-          <a:p>
-            <a:pPr marL="1066800" lvl="4" indent="-342900">
-              <a:spcBef>
-                <a:spcPct val="0"/>
-              </a:spcBef>
-              <a:buFont typeface="Arial" panose="020B0604020202020204" pitchFamily="34" charset="0"/>
-              <a:buChar char="•"/>
-            </a:pPr>
-            <a:r>
-              <a:rPr lang="de-DE" altLang="de-DE" dirty="0" smtClean="0"/>
-              <a:t>Dritte Ebene</a:t>
-            </a:r>
+              <a:t>Lastenheft</a:t>
+            </a:r>
+            <a:endParaRPr lang="de-DE" altLang="de-DE" dirty="0" smtClean="0"/>
           </a:p>
           <a:p>
             <a:pPr marL="342900" lvl="0" indent="-342900">
@@ -4079,39 +4353,14 @@
               <a:buChar char="•"/>
             </a:pPr>
             <a:r>
-              <a:rPr lang="de-DE" altLang="de-DE" dirty="0">
+              <a:rPr lang="de-DE" altLang="de-DE" dirty="0" smtClean="0">
                 <a:solidFill>
                   <a:prstClr val="black"/>
                 </a:solidFill>
               </a:rPr>
-              <a:t>Erste </a:t>
-            </a:r>
-            <a:r>
-              <a:rPr lang="de-DE" altLang="de-DE" dirty="0" smtClean="0">
-                <a:solidFill>
-                  <a:prstClr val="black"/>
-                </a:solidFill>
-              </a:rPr>
-              <a:t>Ebene</a:t>
+              <a:t>Projektplan</a:t>
             </a:r>
             <a:endParaRPr lang="de-DE" altLang="de-DE" dirty="0" smtClean="0"/>
-          </a:p>
-          <a:p>
-            <a:pPr marL="1066800" lvl="2" indent="-342900">
-              <a:spcBef>
-                <a:spcPct val="0"/>
-              </a:spcBef>
-              <a:buFont typeface="Arial" panose="020B0604020202020204" pitchFamily="34" charset="0"/>
-              <a:buChar char="•"/>
-            </a:pPr>
-            <a:r>
-              <a:rPr lang="de-DE" altLang="de-DE" dirty="0" smtClean="0">
-                <a:solidFill>
-                  <a:prstClr val="black"/>
-                </a:solidFill>
-              </a:rPr>
-              <a:t>Zweite Ebene</a:t>
-            </a:r>
           </a:p>
           <a:p>
             <a:pPr marL="342900" lvl="0" indent="-342900">
@@ -4125,13 +4374,75 @@
               <a:buChar char="•"/>
             </a:pPr>
             <a:r>
-              <a:rPr lang="de-DE" altLang="de-DE" dirty="0">
+              <a:rPr lang="de-DE" altLang="de-DE" dirty="0" smtClean="0">
                 <a:solidFill>
                   <a:prstClr val="black"/>
                 </a:solidFill>
               </a:rPr>
-              <a:t>Erste Ebene</a:t>
-            </a:r>
+              <a:t>Zeiterfassung</a:t>
+            </a:r>
+          </a:p>
+          <a:p>
+            <a:pPr marL="342900" lvl="0" indent="-342900">
+              <a:spcBef>
+                <a:spcPct val="0"/>
+              </a:spcBef>
+              <a:spcAft>
+                <a:spcPct val="0"/>
+              </a:spcAft>
+              <a:buFont typeface="Arial" panose="020B0604020202020204" pitchFamily="34" charset="0"/>
+              <a:buChar char="•"/>
+            </a:pPr>
+            <a:r>
+              <a:rPr lang="de-DE" altLang="de-DE" dirty="0" smtClean="0">
+                <a:solidFill>
+                  <a:prstClr val="black"/>
+                </a:solidFill>
+              </a:rPr>
+              <a:t>Ziele für nächste Woche</a:t>
+            </a:r>
+            <a:endParaRPr lang="de-DE" altLang="de-DE" dirty="0" smtClean="0">
+              <a:solidFill>
+                <a:prstClr val="black"/>
+              </a:solidFill>
+            </a:endParaRPr>
+          </a:p>
+          <a:p>
+            <a:pPr marL="342900" lvl="0" indent="-342900">
+              <a:spcBef>
+                <a:spcPct val="0"/>
+              </a:spcBef>
+              <a:spcAft>
+                <a:spcPct val="0"/>
+              </a:spcAft>
+              <a:buFont typeface="Arial" panose="020B0604020202020204" pitchFamily="34" charset="0"/>
+              <a:buChar char="•"/>
+            </a:pPr>
+            <a:r>
+              <a:rPr lang="de-DE" altLang="de-DE" dirty="0" smtClean="0">
+                <a:solidFill>
+                  <a:prstClr val="black"/>
+                </a:solidFill>
+              </a:rPr>
+              <a:t>Ampelstatus</a:t>
+            </a:r>
+          </a:p>
+          <a:p>
+            <a:pPr marL="342900" lvl="0" indent="-342900">
+              <a:spcBef>
+                <a:spcPct val="0"/>
+              </a:spcBef>
+              <a:spcAft>
+                <a:spcPct val="0"/>
+              </a:spcAft>
+              <a:buFont typeface="Arial" panose="020B0604020202020204" pitchFamily="34" charset="0"/>
+              <a:buChar char="•"/>
+            </a:pPr>
+            <a:endParaRPr lang="de-DE" altLang="de-DE" dirty="0" smtClean="0">
+              <a:solidFill>
+                <a:prstClr val="black"/>
+              </a:solidFill>
+            </a:endParaRPr>
           </a:p>
           <a:p>
             <a:pPr lvl="2" indent="0">
@@ -4140,14 +4451,6 @@
               </a:spcBef>
               <a:buNone/>
             </a:pPr>
-            <a:r>
-              <a:rPr lang="de-DE" altLang="de-DE" dirty="0" smtClean="0">
-                <a:solidFill>
-                  <a:prstClr val="black"/>
-                </a:solidFill>
-              </a:rPr>
-              <a:t>…</a:t>
-            </a:r>
             <a:endParaRPr lang="de-DE" altLang="de-DE" dirty="0">
               <a:solidFill>
                 <a:prstClr val="black"/>
@@ -4203,10 +4506,45 @@
           <a:bodyPr/>
           <a:lstStyle/>
           <a:p>
+            <a:pPr lvl="0"/>
             <a:r>
               <a:rPr lang="de-DE" dirty="0" smtClean="0"/>
               <a:t>Projektstatus</a:t>
             </a:r>
+            <a:br>
+              <a:rPr lang="de-DE" dirty="0" smtClean="0"/>
+            </a:br>
+            <a:r>
+              <a:rPr lang="de-DE" altLang="de-DE" dirty="0" smtClean="0">
+                <a:solidFill>
+                  <a:prstClr val="black"/>
+                </a:solidFill>
+              </a:rPr>
+              <a:t>Kundentermin am </a:t>
+            </a:r>
+            <a:r>
+              <a:rPr lang="de-DE" altLang="de-DE" dirty="0" smtClean="0">
+                <a:solidFill>
+                  <a:prstClr val="black"/>
+                </a:solidFill>
+              </a:rPr>
+              <a:t>26.10.2016	(1/2)</a:t>
+            </a:r>
+            <a:r>
+              <a:rPr lang="de-DE" altLang="de-DE" dirty="0" smtClean="0">
+                <a:solidFill>
+                  <a:prstClr val="black"/>
+                </a:solidFill>
+              </a:rPr>
+              <a:t/>
+            </a:r>
+            <a:br>
+              <a:rPr lang="de-DE" altLang="de-DE" dirty="0" smtClean="0">
+                <a:solidFill>
+                  <a:prstClr val="black"/>
+                </a:solidFill>
+              </a:rPr>
+            </a:br>
             <a:endParaRPr lang="de-DE" dirty="0"/>
           </a:p>
         </p:txBody>
@@ -4238,6 +4576,8 @@
               <a:spcAft>
                 <a:spcPct val="0"/>
               </a:spcAft>
+              <a:buFontTx/>
+              <a:buChar char="-"/>
             </a:pPr>
             <a:r>
               <a:rPr lang="de-DE" altLang="de-DE" sz="2400" dirty="0" smtClean="0">
@@ -4245,7 +4585,7 @@
                   <a:prstClr val="black"/>
                 </a:solidFill>
               </a:rPr>
-              <a:t>Kundentermin am 26.10.2016</a:t>
+              <a:t>Klärung diverser Detailfragen zur GUI</a:t>
             </a:r>
           </a:p>
           <a:p>
@@ -4265,8 +4605,69 @@
                   <a:prstClr val="black"/>
                 </a:solidFill>
               </a:rPr>
-              <a:t>Klärung diverser Detailfragen zur GUI</a:t>
-            </a:r>
+              <a:t>Login mit Google </a:t>
+            </a:r>
+            <a:r>
+              <a:rPr lang="de-DE" altLang="de-DE" sz="2400" dirty="0" err="1" smtClean="0">
+                <a:solidFill>
+                  <a:prstClr val="black"/>
+                </a:solidFill>
+              </a:rPr>
+              <a:t>Account</a:t>
+            </a:r>
+            <a:endParaRPr lang="de-DE" altLang="de-DE" sz="2400" dirty="0" smtClean="0">
+              <a:solidFill>
+                <a:prstClr val="black"/>
+              </a:solidFill>
+            </a:endParaRPr>
+          </a:p>
+          <a:p>
+            <a:pPr lvl="0">
+              <a:spcBef>
+                <a:spcPct val="0"/>
+              </a:spcBef>
+              <a:spcAft>
+                <a:spcPct val="0"/>
+              </a:spcAft>
+              <a:buFontTx/>
+              <a:buChar char="-"/>
+            </a:pPr>
+            <a:r>
+              <a:rPr lang="de-DE" altLang="de-DE" sz="2400" dirty="0" smtClean="0">
+                <a:solidFill>
+                  <a:prstClr val="black"/>
+                </a:solidFill>
+              </a:rPr>
+              <a:t>-&gt; Bild und </a:t>
+            </a:r>
+            <a:r>
+              <a:rPr lang="de-DE" altLang="de-DE" sz="2400" dirty="0" err="1" smtClean="0">
+                <a:solidFill>
+                  <a:prstClr val="black"/>
+                </a:solidFill>
+              </a:rPr>
+              <a:t>Username</a:t>
+            </a:r>
+            <a:r>
+              <a:rPr lang="de-DE" altLang="de-DE" sz="2400" dirty="0" smtClean="0">
+                <a:solidFill>
+                  <a:prstClr val="black"/>
+                </a:solidFill>
+              </a:rPr>
+              <a:t> von Google übernehmen</a:t>
+            </a:r>
+          </a:p>
+          <a:p>
+            <a:pPr lvl="0">
+              <a:spcBef>
+                <a:spcPct val="0"/>
+              </a:spcBef>
+              <a:spcAft>
+                <a:spcPct val="0"/>
+              </a:spcAft>
+              <a:buFontTx/>
+              <a:buChar char="-"/>
+            </a:pPr>
             <a:endParaRPr lang="de-DE" altLang="de-DE" sz="2400" dirty="0">
               <a:solidFill>
                 <a:prstClr val="black"/>
@@ -4274,7 +4675,196 @@
             </a:endParaRPr>
           </a:p>
           <a:p>
-            <a:endParaRPr lang="de-DE" dirty="0"/>
+            <a:pPr lvl="0">
+              <a:spcBef>
+                <a:spcPct val="0"/>
+              </a:spcBef>
+              <a:spcAft>
+                <a:spcPct val="0"/>
+              </a:spcAft>
+              <a:buFontTx/>
+              <a:buChar char="-"/>
+            </a:pPr>
+            <a:r>
+              <a:rPr lang="de-DE" altLang="de-DE" sz="2400" dirty="0" smtClean="0">
+                <a:solidFill>
+                  <a:prstClr val="black"/>
+                </a:solidFill>
+              </a:rPr>
+              <a:t>Professoren durch Masterpasswort erkennen</a:t>
+            </a:r>
+          </a:p>
+          <a:p>
+            <a:pPr lvl="0">
+              <a:spcBef>
+                <a:spcPct val="0"/>
+              </a:spcBef>
+              <a:spcAft>
+                <a:spcPct val="0"/>
+              </a:spcAft>
+              <a:buFontTx/>
+              <a:buChar char="-"/>
+            </a:pPr>
+            <a:r>
+              <a:rPr lang="de-DE" altLang="de-DE" sz="2400" dirty="0" smtClean="0">
+                <a:solidFill>
+                  <a:prstClr val="black"/>
+                </a:solidFill>
+              </a:rPr>
+              <a:t>-&gt; Funktion Stundenplan eintragen freischalten</a:t>
+            </a:r>
+          </a:p>
+          <a:p>
+            <a:pPr lvl="0">
+              <a:spcBef>
+                <a:spcPct val="0"/>
+              </a:spcBef>
+              <a:spcAft>
+                <a:spcPct val="0"/>
+              </a:spcAft>
+              <a:buFontTx/>
+              <a:buChar char="-"/>
+            </a:pPr>
+            <a:endParaRPr lang="de-DE" altLang="de-DE" sz="2400" dirty="0" smtClean="0">
+              <a:solidFill>
+                <a:prstClr val="black"/>
+              </a:solidFill>
+            </a:endParaRPr>
+          </a:p>
+          <a:p>
+            <a:pPr lvl="0">
+              <a:spcBef>
+                <a:spcPct val="0"/>
+              </a:spcBef>
+              <a:spcAft>
+                <a:spcPct val="0"/>
+              </a:spcAft>
+              <a:buFontTx/>
+              <a:buChar char="-"/>
+            </a:pPr>
+            <a:r>
+              <a:rPr lang="de-DE" altLang="de-DE" sz="2400" dirty="0" smtClean="0">
+                <a:solidFill>
+                  <a:prstClr val="black"/>
+                </a:solidFill>
+              </a:rPr>
+              <a:t>Raumsuche mit Dijkstra oder A*</a:t>
+            </a:r>
+          </a:p>
+          <a:p>
+            <a:pPr lvl="0">
+              <a:spcBef>
+                <a:spcPct val="0"/>
+              </a:spcBef>
+              <a:spcAft>
+                <a:spcPct val="0"/>
+              </a:spcAft>
+              <a:buFontTx/>
+              <a:buChar char="-"/>
+            </a:pPr>
+            <a:r>
+              <a:rPr lang="de-DE" altLang="de-DE" sz="2400" dirty="0" smtClean="0">
+                <a:solidFill>
+                  <a:prstClr val="black"/>
+                </a:solidFill>
+              </a:rPr>
+              <a:t>Freunde nur sichtbar wenn in Raum eingecheckt</a:t>
+            </a:r>
+          </a:p>
+          <a:p>
+            <a:pPr lvl="0">
+              <a:spcBef>
+                <a:spcPct val="0"/>
+              </a:spcBef>
+              <a:spcAft>
+                <a:spcPct val="0"/>
+              </a:spcAft>
+              <a:buFontTx/>
+              <a:buChar char="-"/>
+            </a:pPr>
+            <a:endParaRPr lang="de-DE" altLang="de-DE" sz="2400" dirty="0" smtClean="0">
+              <a:solidFill>
+                <a:prstClr val="black"/>
+              </a:solidFill>
+            </a:endParaRPr>
+          </a:p>
+          <a:p>
+            <a:pPr lvl="0">
+              <a:spcBef>
+                <a:spcPct val="0"/>
+              </a:spcBef>
+              <a:spcAft>
+                <a:spcPct val="0"/>
+              </a:spcAft>
+              <a:buFontTx/>
+              <a:buChar char="-"/>
+            </a:pPr>
+            <a:r>
+              <a:rPr lang="de-DE" altLang="de-DE" sz="2400" dirty="0" smtClean="0">
+                <a:solidFill>
+                  <a:prstClr val="black"/>
+                </a:solidFill>
+              </a:rPr>
+              <a:t>Neuer Menüpunkt „Einstellungen“</a:t>
+            </a:r>
+          </a:p>
+          <a:p>
+            <a:pPr lvl="0">
+              <a:spcBef>
+                <a:spcPct val="0"/>
+              </a:spcBef>
+              <a:spcAft>
+                <a:spcPct val="0"/>
+              </a:spcAft>
+              <a:buFontTx/>
+              <a:buChar char="-"/>
+            </a:pPr>
+            <a:r>
+              <a:rPr lang="de-DE" altLang="de-DE" sz="2400" dirty="0" smtClean="0">
+                <a:solidFill>
+                  <a:prstClr val="black"/>
+                </a:solidFill>
+              </a:rPr>
+              <a:t>-&gt;Push verhalten deaktivieren (für Meetings)</a:t>
+            </a:r>
+          </a:p>
+          <a:p>
+            <a:pPr lvl="0">
+              <a:spcBef>
+                <a:spcPct val="0"/>
+              </a:spcBef>
+              <a:spcAft>
+                <a:spcPct val="0"/>
+              </a:spcAft>
+              <a:buFontTx/>
+              <a:buChar char="-"/>
+            </a:pPr>
+            <a:r>
+              <a:rPr lang="de-DE" altLang="de-DE" sz="2400" dirty="0" smtClean="0">
+                <a:solidFill>
+                  <a:prstClr val="black"/>
+                </a:solidFill>
+                <a:sym typeface="Wingdings" pitchFamily="2" charset="2"/>
+              </a:rPr>
+              <a:t>-&gt; Softwareversion abfragen</a:t>
+            </a:r>
+          </a:p>
+          <a:p>
+            <a:pPr lvl="0">
+              <a:spcBef>
+                <a:spcPct val="0"/>
+              </a:spcBef>
+              <a:spcAft>
+                <a:spcPct val="0"/>
+              </a:spcAft>
+              <a:buFontTx/>
+              <a:buChar char="-"/>
+            </a:pPr>
+            <a:endParaRPr lang="de-DE" altLang="de-DE" sz="2400" dirty="0" smtClean="0">
+              <a:solidFill>
+                <a:prstClr val="black"/>
+              </a:solidFill>
+            </a:endParaRPr>
           </a:p>
         </p:txBody>
       </p:sp>
@@ -4310,7 +4900,7 @@
       </p:grpSpPr>
       <p:sp>
         <p:nvSpPr>
-          <p:cNvPr id="9218" name="Titel 3"/>
+          <p:cNvPr id="2" name="Titel 1"/>
           <p:cNvSpPr>
             <a:spLocks noGrp="1"/>
           </p:cNvSpPr>
@@ -4318,33 +4908,57 @@
             <p:ph type="title"/>
           </p:nvPr>
         </p:nvSpPr>
-        <p:spPr>
-          <a:xfrm>
-            <a:off x="287338" y="287338"/>
-            <a:ext cx="8064500" cy="720725"/>
-          </a:xfrm>
-        </p:spPr>
+        <p:spPr/>
         <p:txBody>
           <a:bodyPr/>
           <a:lstStyle/>
           <a:p>
-            <a:r>
-              <a:rPr lang="de-DE" altLang="de-DE" smtClean="0"/>
-              <a:t>Neues Kapitel Zeile 1</a:t>
+            <a:pPr lvl="0"/>
+            <a:r>
+              <a:rPr lang="de-DE" dirty="0" smtClean="0"/>
+              <a:t>Projektstatus</a:t>
             </a:r>
             <a:br>
-              <a:rPr lang="de-DE" altLang="de-DE" smtClean="0"/>
+              <a:rPr lang="de-DE" dirty="0" smtClean="0"/>
             </a:br>
             <a:r>
-              <a:rPr lang="de-DE" altLang="de-DE" smtClean="0"/>
-              <a:t>Zeile 2</a:t>
-            </a:r>
+              <a:rPr lang="de-DE" altLang="de-DE" dirty="0" smtClean="0">
+                <a:solidFill>
+                  <a:prstClr val="black"/>
+                </a:solidFill>
+              </a:rPr>
+              <a:t>Kundentermin am </a:t>
+            </a:r>
+            <a:r>
+              <a:rPr lang="de-DE" altLang="de-DE" dirty="0" smtClean="0">
+                <a:solidFill>
+                  <a:prstClr val="black"/>
+                </a:solidFill>
+              </a:rPr>
+              <a:t>26.10.2016	(2/2)</a:t>
+            </a:r>
+            <a:r>
+              <a:rPr lang="de-DE" altLang="de-DE" dirty="0" smtClean="0">
+                <a:solidFill>
+                  <a:prstClr val="black"/>
+                </a:solidFill>
+              </a:rPr>
+              <a:t/>
+            </a:r>
+            <a:br>
+              <a:rPr lang="de-DE" altLang="de-DE" dirty="0" smtClean="0">
+                <a:solidFill>
+                  <a:prstClr val="black"/>
+                </a:solidFill>
+              </a:rPr>
+            </a:br>
+            <a:endParaRPr lang="de-DE" dirty="0"/>
           </a:p>
         </p:txBody>
       </p:sp>
       <p:sp>
         <p:nvSpPr>
-          <p:cNvPr id="9219" name="Inhaltsplatzhalter 4"/>
+          <p:cNvPr id="3" name="Inhaltsplatzhalter 2"/>
           <p:cNvSpPr>
             <a:spLocks noGrp="1"/>
           </p:cNvSpPr>
@@ -4354,49 +4968,248 @@
         </p:nvSpPr>
         <p:spPr>
           <a:xfrm>
-            <a:off x="287338" y="2016125"/>
-            <a:ext cx="8064500" cy="4335463"/>
+            <a:off x="288000" y="1412776"/>
+            <a:ext cx="8064000" cy="4938982"/>
           </a:xfrm>
         </p:spPr>
         <p:txBody>
           <a:bodyPr/>
           <a:lstStyle/>
           <a:p>
-            <a:pPr>
+            <a:pPr lvl="0">
               <a:spcBef>
                 <a:spcPct val="0"/>
               </a:spcBef>
               <a:spcAft>
                 <a:spcPct val="0"/>
               </a:spcAft>
-            </a:pPr>
-            <a:r>
-              <a:rPr lang="de-DE" altLang="de-DE" smtClean="0"/>
-              <a:t>Text </a:t>
-            </a:r>
-            <a:r>
-              <a:rPr lang="de-DE" altLang="de-DE" smtClean="0">
-                <a:solidFill>
-                  <a:srgbClr val="00B1AC"/>
-                </a:solidFill>
-              </a:rPr>
-              <a:t>Text</a:t>
-            </a:r>
+              <a:buFontTx/>
+              <a:buChar char="-"/>
+            </a:pPr>
+            <a:r>
+              <a:rPr lang="de-DE" altLang="de-DE" sz="2400" dirty="0" smtClean="0">
+                <a:solidFill>
+                  <a:prstClr val="black"/>
+                </a:solidFill>
+              </a:rPr>
+              <a:t>Ampelsystem für </a:t>
+            </a:r>
+            <a:r>
+              <a:rPr lang="de-DE" altLang="de-DE" sz="2400" dirty="0" smtClean="0">
+                <a:solidFill>
+                  <a:prstClr val="black"/>
+                </a:solidFill>
+              </a:rPr>
+              <a:t>Füllstand </a:t>
+            </a:r>
+            <a:r>
+              <a:rPr lang="de-DE" altLang="de-DE" sz="2400" dirty="0" smtClean="0">
+                <a:solidFill>
+                  <a:prstClr val="black"/>
+                </a:solidFill>
+              </a:rPr>
+              <a:t>der Räume</a:t>
+            </a:r>
+          </a:p>
+          <a:p>
+            <a:pPr lvl="0">
+              <a:spcBef>
+                <a:spcPct val="0"/>
+              </a:spcBef>
+              <a:spcAft>
+                <a:spcPct val="0"/>
+              </a:spcAft>
+              <a:buFontTx/>
+              <a:buChar char="-"/>
+            </a:pPr>
+            <a:r>
+              <a:rPr lang="de-DE" altLang="de-DE" sz="2400" dirty="0" smtClean="0">
+                <a:solidFill>
+                  <a:prstClr val="black"/>
+                </a:solidFill>
+              </a:rPr>
+              <a:t>Karten- und Listenansicht für </a:t>
+            </a:r>
+            <a:r>
+              <a:rPr lang="de-DE" altLang="de-DE" sz="2400" dirty="0" err="1" smtClean="0">
+                <a:solidFill>
+                  <a:prstClr val="black"/>
+                </a:solidFill>
+              </a:rPr>
+              <a:t>Raumplan</a:t>
+            </a:r>
+            <a:endParaRPr lang="de-DE" altLang="de-DE" sz="2400" dirty="0" smtClean="0">
+              <a:solidFill>
+                <a:prstClr val="black"/>
+              </a:solidFill>
+            </a:endParaRPr>
+          </a:p>
+          <a:p>
+            <a:pPr lvl="0">
+              <a:spcBef>
+                <a:spcPct val="0"/>
+              </a:spcBef>
+              <a:spcAft>
+                <a:spcPct val="0"/>
+              </a:spcAft>
+              <a:buFontTx/>
+              <a:buChar char="-"/>
+            </a:pPr>
+            <a:r>
+              <a:rPr lang="de-DE" altLang="de-DE" sz="2400" dirty="0" err="1" smtClean="0">
+                <a:solidFill>
+                  <a:prstClr val="black"/>
+                </a:solidFill>
+              </a:rPr>
+              <a:t>Friendrequests</a:t>
+            </a:r>
+            <a:r>
+              <a:rPr lang="de-DE" altLang="de-DE" sz="2400" dirty="0" smtClean="0">
+                <a:solidFill>
+                  <a:prstClr val="black"/>
+                </a:solidFill>
+              </a:rPr>
+              <a:t> </a:t>
+            </a:r>
+            <a:r>
+              <a:rPr lang="de-DE" altLang="de-DE" sz="2400" dirty="0" smtClean="0">
+                <a:solidFill>
+                  <a:prstClr val="black"/>
+                </a:solidFill>
+              </a:rPr>
+              <a:t>ablehnen oder bestätigen ermöglichen</a:t>
+            </a:r>
+          </a:p>
+          <a:p>
+            <a:pPr lvl="0">
+              <a:spcBef>
+                <a:spcPct val="0"/>
+              </a:spcBef>
+              <a:spcAft>
+                <a:spcPct val="0"/>
+              </a:spcAft>
+              <a:buFontTx/>
+              <a:buChar char="-"/>
+            </a:pPr>
+            <a:r>
+              <a:rPr lang="de-DE" altLang="de-DE" sz="2400" dirty="0" smtClean="0">
+                <a:solidFill>
+                  <a:prstClr val="black"/>
+                </a:solidFill>
+              </a:rPr>
+              <a:t>Administration über Seite ohne grafische </a:t>
+            </a:r>
+            <a:r>
+              <a:rPr lang="de-DE" altLang="de-DE" sz="2400" dirty="0" smtClean="0">
+                <a:solidFill>
+                  <a:prstClr val="black"/>
+                </a:solidFill>
+              </a:rPr>
+              <a:t>Anforderungen</a:t>
+            </a:r>
+          </a:p>
+          <a:p>
+            <a:pPr lvl="0">
+              <a:spcBef>
+                <a:spcPct val="0"/>
+              </a:spcBef>
+              <a:spcAft>
+                <a:spcPct val="0"/>
+              </a:spcAft>
+              <a:buFontTx/>
+              <a:buChar char="-"/>
+            </a:pPr>
+            <a:r>
+              <a:rPr lang="de-DE" altLang="de-DE" sz="2400" dirty="0" smtClean="0">
+                <a:solidFill>
+                  <a:prstClr val="black"/>
+                </a:solidFill>
+              </a:rPr>
+              <a:t>Farblicher Unterschied zwischen Prof- und Studentenansicht</a:t>
+            </a:r>
+          </a:p>
+          <a:p>
+            <a:pPr lvl="0">
+              <a:spcBef>
+                <a:spcPct val="0"/>
+              </a:spcBef>
+              <a:spcAft>
+                <a:spcPct val="0"/>
+              </a:spcAft>
+              <a:buFontTx/>
+              <a:buChar char="-"/>
+            </a:pPr>
+            <a:r>
+              <a:rPr lang="de-DE" altLang="de-DE" sz="2400" dirty="0" smtClean="0">
+                <a:solidFill>
+                  <a:prstClr val="black"/>
+                </a:solidFill>
+              </a:rPr>
+              <a:t>Unterstützung für </a:t>
+            </a:r>
+            <a:r>
+              <a:rPr lang="de-DE" altLang="de-DE" sz="2400" dirty="0" err="1" smtClean="0">
+                <a:solidFill>
+                  <a:prstClr val="black"/>
+                </a:solidFill>
+              </a:rPr>
+              <a:t>Tablets</a:t>
+            </a:r>
+            <a:endParaRPr lang="de-DE" altLang="de-DE" sz="2400" dirty="0" smtClean="0">
+              <a:solidFill>
+                <a:prstClr val="black"/>
+              </a:solidFill>
+            </a:endParaRPr>
+          </a:p>
+          <a:p>
+            <a:pPr lvl="0">
+              <a:spcBef>
+                <a:spcPct val="0"/>
+              </a:spcBef>
+              <a:spcAft>
+                <a:spcPct val="0"/>
+              </a:spcAft>
+              <a:buFontTx/>
+              <a:buChar char="-"/>
+            </a:pPr>
+            <a:r>
+              <a:rPr lang="de-DE" altLang="de-DE" sz="2400" dirty="0" smtClean="0">
+                <a:solidFill>
+                  <a:prstClr val="black"/>
+                </a:solidFill>
+              </a:rPr>
+              <a:t>Nur Hochkant-Ansicht</a:t>
+            </a:r>
+          </a:p>
+          <a:p>
+            <a:pPr lvl="0">
+              <a:spcBef>
+                <a:spcPct val="0"/>
+              </a:spcBef>
+              <a:spcAft>
+                <a:spcPct val="0"/>
+              </a:spcAft>
+              <a:buFontTx/>
+              <a:buChar char="-"/>
+            </a:pPr>
+            <a:endParaRPr lang="de-DE" altLang="de-DE" sz="2400" dirty="0">
+              <a:solidFill>
+                <a:prstClr val="black"/>
+              </a:solidFill>
+            </a:endParaRPr>
           </a:p>
         </p:txBody>
       </p:sp>
     </p:spTree>
+    <p:extLst>
+      <p:ext uri="{BB962C8B-B14F-4D97-AF65-F5344CB8AC3E}">
+        <p14:creationId xmlns:p14="http://schemas.microsoft.com/office/powerpoint/2010/main" xmlns="" val="1764744486"/>
+      </p:ext>
+    </p:extLst>
   </p:cSld>
   <p:clrMapOvr>
     <a:masterClrMapping/>
   </p:clrMapOvr>
-  <p:timing>
-    <p:tnLst>
-      <p:par>
-        <p:cTn id="1" dur="indefinite" restart="never" nodeType="tmRoot"/>
-      </p:par>
-    </p:tnLst>
-  </p:timing>
 </p:sld>
 </file>
 
@@ -4419,71 +5232,7 @@
       </p:grpSpPr>
       <p:sp>
         <p:nvSpPr>
-          <p:cNvPr id="10242" name="Inhaltsplatzhalter 1"/>
-          <p:cNvSpPr>
-            <a:spLocks noGrp="1"/>
-          </p:cNvSpPr>
-          <p:nvPr>
-            <p:ph sz="half" idx="1"/>
-          </p:nvPr>
-        </p:nvSpPr>
-        <p:spPr>
-          <a:xfrm>
-            <a:off x="287338" y="1295400"/>
-            <a:ext cx="3889375" cy="5040313"/>
-          </a:xfrm>
-        </p:spPr>
-        <p:txBody>
-          <a:bodyPr/>
-          <a:lstStyle/>
-          <a:p>
-            <a:pPr marL="0" indent="0">
-              <a:spcBef>
-                <a:spcPct val="0"/>
-              </a:spcBef>
-            </a:pPr>
-            <a:r>
-              <a:rPr lang="de-DE" altLang="de-DE" dirty="0" smtClean="0"/>
-              <a:t>Text Spalte 1</a:t>
-            </a:r>
-          </a:p>
-          <a:p>
-            <a:pPr lvl="1" indent="0"/>
-            <a:r>
-              <a:rPr lang="de-DE" altLang="de-DE" dirty="0" smtClean="0"/>
-              <a:t>Zweite Ebene</a:t>
-            </a:r>
-          </a:p>
-          <a:p>
-            <a:pPr lvl="2"/>
-            <a:r>
-              <a:rPr lang="de-DE" altLang="de-DE" dirty="0" smtClean="0"/>
-              <a:t>Dritte Ebene</a:t>
-            </a:r>
-          </a:p>
-          <a:p>
-            <a:pPr lvl="3"/>
-            <a:r>
-              <a:rPr lang="de-DE" altLang="de-DE" dirty="0" smtClean="0"/>
-              <a:t>Vierte Ebene</a:t>
-            </a:r>
-          </a:p>
-          <a:p>
-            <a:pPr lvl="4"/>
-            <a:r>
-              <a:rPr lang="de-DE" altLang="de-DE" dirty="0" smtClean="0"/>
-              <a:t>Fünfte Ebene</a:t>
-            </a:r>
-          </a:p>
-          <a:p>
-            <a:pPr marL="0" indent="0"/>
-            <a:endParaRPr lang="de-DE" altLang="de-DE" dirty="0" smtClean="0"/>
-          </a:p>
-        </p:txBody>
-      </p:sp>
-      <p:sp>
-        <p:nvSpPr>
-          <p:cNvPr id="10243" name="Titel 2"/>
+          <p:cNvPr id="9218" name="Titel 3"/>
           <p:cNvSpPr>
             <a:spLocks noGrp="1"/>
           </p:cNvSpPr>
@@ -4503,79 +5252,196 @@
           <a:p>
             <a:r>
               <a:rPr lang="de-DE" altLang="de-DE" dirty="0" smtClean="0"/>
-              <a:t>Überschrift Zeile 1</a:t>
+              <a:t>Projektstatus</a:t>
             </a:r>
             <a:br>
               <a:rPr lang="de-DE" altLang="de-DE" dirty="0" smtClean="0"/>
             </a:br>
             <a:r>
               <a:rPr lang="de-DE" altLang="de-DE" dirty="0" smtClean="0"/>
-              <a:t>Zeile 2</a:t>
-            </a:r>
+              <a:t>Lastenheft</a:t>
+            </a:r>
+            <a:endParaRPr lang="de-DE" altLang="de-DE" dirty="0" smtClean="0"/>
           </a:p>
         </p:txBody>
       </p:sp>
       <p:sp>
         <p:nvSpPr>
-          <p:cNvPr id="10244" name="Inhaltsplatzhalter 3"/>
+          <p:cNvPr id="4" name="Inhaltsplatzhalter 2"/>
+          <p:cNvSpPr txBox="1">
+            <a:spLocks/>
+          </p:cNvSpPr>
+          <p:nvPr/>
+        </p:nvSpPr>
+        <p:spPr bwMode="auto">
+          <a:xfrm>
+            <a:off x="285720" y="1428736"/>
+            <a:ext cx="8064000" cy="4938982"/>
+          </a:xfrm>
+          <a:prstGeom prst="rect">
+            <a:avLst/>
+          </a:prstGeom>
+          <a:noFill/>
+          <a:ln>
+            <a:noFill/>
+          </a:ln>
+          <a:extLst>
+            <a:ext uri="{909E8E84-426E-40DD-AFC4-6F175D3DCCD1}">
+              <a14:hiddenFill xmlns:a14="http://schemas.microsoft.com/office/drawing/2010/main" xmlns="">
+                <a:solidFill>
+                  <a:srgbClr val="FFFFFF"/>
+                </a:solidFill>
+              </a14:hiddenFill>
+            </a:ext>
+            <a:ext uri="{91240B29-F687-4F45-9708-019B960494DF}">
+              <a14:hiddenLine xmlns:a14="http://schemas.microsoft.com/office/drawing/2010/main" xmlns="" w="9525">
+                <a:solidFill>
+                  <a:srgbClr val="000000"/>
+                </a:solidFill>
+                <a:miter lim="800000"/>
+                <a:headEnd/>
+                <a:tailEnd/>
+              </a14:hiddenLine>
+            </a:ext>
+          </a:extLst>
+        </p:spPr>
+        <p:txBody>
+          <a:bodyPr vert="horz" wrap="square" lIns="0" tIns="0" rIns="0" bIns="0" numCol="1" anchor="t" anchorCtr="0" compatLnSpc="1">
+            <a:prstTxWarp prst="textNoShape">
+              <a:avLst/>
+            </a:prstTxWarp>
+          </a:bodyPr>
+          <a:lstStyle/>
+          <a:p>
+            <a:pPr marL="0" marR="0" lvl="0" indent="0" algn="l" defTabSz="914400" rtl="0" eaLnBrk="1" fontAlgn="base" latinLnBrk="0" hangingPunct="1">
+              <a:lnSpc>
+                <a:spcPct val="100000"/>
+              </a:lnSpc>
+              <a:spcBef>
+                <a:spcPct val="0"/>
+              </a:spcBef>
+              <a:spcAft>
+                <a:spcPct val="0"/>
+              </a:spcAft>
+              <a:buClrTx/>
+              <a:buSzTx/>
+              <a:buFontTx/>
+              <a:buChar char="-"/>
+              <a:tabLst/>
+              <a:defRPr/>
+            </a:pPr>
+            <a:endParaRPr kumimoji="0" lang="de-DE" altLang="de-DE" sz="2400" b="0" i="0" u="none" strike="noStrike" kern="1200" cap="none" spc="0" normalizeH="0" baseline="0" noProof="0" dirty="0">
+              <a:ln>
+                <a:noFill/>
+              </a:ln>
+              <a:solidFill>
+                <a:prstClr val="black"/>
+              </a:solidFill>
+              <a:effectLst/>
+              <a:uLnTx/>
+              <a:uFillTx/>
+              <a:latin typeface="Verdana" pitchFamily="34" charset="0"/>
+              <a:ea typeface="+mn-ea"/>
+              <a:cs typeface="+mn-cs"/>
+            </a:endParaRPr>
+          </a:p>
+        </p:txBody>
+      </p:sp>
+      <p:sp>
+        <p:nvSpPr>
+          <p:cNvPr id="5" name="Inhaltsplatzhalter 2"/>
           <p:cNvSpPr>
             <a:spLocks noGrp="1"/>
           </p:cNvSpPr>
           <p:nvPr>
-            <p:ph sz="half" idx="10"/>
+            <p:ph idx="1"/>
           </p:nvPr>
         </p:nvSpPr>
         <p:spPr>
           <a:xfrm>
-            <a:off x="4464050" y="1295400"/>
-            <a:ext cx="3887788" cy="5040313"/>
+            <a:off x="288000" y="1412776"/>
+            <a:ext cx="8064000" cy="4938982"/>
           </a:xfrm>
         </p:spPr>
         <p:txBody>
           <a:bodyPr/>
           <a:lstStyle/>
           <a:p>
-            <a:pPr marL="0" indent="0">
+            <a:pPr lvl="0">
               <a:spcBef>
                 <a:spcPct val="0"/>
               </a:spcBef>
-            </a:pPr>
-            <a:r>
-              <a:rPr lang="de-DE" altLang="de-DE" dirty="0" smtClean="0"/>
-              <a:t>Text Spalte 2</a:t>
-            </a:r>
-          </a:p>
-          <a:p>
-            <a:pPr lvl="1"/>
-            <a:r>
-              <a:rPr lang="de-DE" altLang="de-DE" dirty="0" smtClean="0"/>
-              <a:t>Zweite Ebene</a:t>
-            </a:r>
-          </a:p>
-          <a:p>
-            <a:pPr lvl="2"/>
-            <a:r>
-              <a:rPr lang="de-DE" altLang="de-DE" dirty="0" smtClean="0"/>
-              <a:t>Dritte Ebene</a:t>
-            </a:r>
-          </a:p>
-          <a:p>
-            <a:pPr lvl="3"/>
-            <a:r>
-              <a:rPr lang="de-DE" altLang="de-DE" dirty="0" smtClean="0"/>
-              <a:t>Vierte Ebene</a:t>
-            </a:r>
-          </a:p>
-          <a:p>
-            <a:pPr lvl="4"/>
-            <a:r>
-              <a:rPr lang="de-DE" altLang="de-DE" dirty="0" smtClean="0"/>
-              <a:t>Fünfte Ebene</a:t>
-            </a:r>
-          </a:p>
-          <a:p>
-            <a:pPr marL="0" indent="0"/>
-            <a:endParaRPr lang="de-DE" altLang="de-DE" dirty="0" smtClean="0"/>
+              <a:spcAft>
+                <a:spcPct val="0"/>
+              </a:spcAft>
+              <a:buFontTx/>
+              <a:buChar char="-"/>
+            </a:pPr>
+            <a:r>
+              <a:rPr lang="de-DE" altLang="de-DE" sz="2400" dirty="0" smtClean="0">
+                <a:solidFill>
+                  <a:prstClr val="black"/>
+                </a:solidFill>
+              </a:rPr>
+              <a:t>Erster Entwurf Lastenheft erstellt</a:t>
+            </a:r>
+          </a:p>
+          <a:p>
+            <a:pPr lvl="0">
+              <a:spcBef>
+                <a:spcPct val="0"/>
+              </a:spcBef>
+              <a:spcAft>
+                <a:spcPct val="0"/>
+              </a:spcAft>
+              <a:buFontTx/>
+              <a:buChar char="-"/>
+            </a:pPr>
+            <a:r>
+              <a:rPr lang="de-DE" altLang="de-DE" sz="2400" dirty="0" smtClean="0">
+                <a:solidFill>
+                  <a:prstClr val="black"/>
+                </a:solidFill>
+              </a:rPr>
+              <a:t>Anwendungsdiagramm erstellt</a:t>
+            </a:r>
+          </a:p>
+          <a:p>
+            <a:pPr lvl="0">
+              <a:spcBef>
+                <a:spcPct val="0"/>
+              </a:spcBef>
+              <a:spcAft>
+                <a:spcPct val="0"/>
+              </a:spcAft>
+              <a:buFontTx/>
+              <a:buChar char="-"/>
+            </a:pPr>
+            <a:r>
+              <a:rPr lang="de-DE" altLang="de-DE" sz="2400" dirty="0" smtClean="0">
+                <a:solidFill>
+                  <a:prstClr val="black"/>
+                </a:solidFill>
+              </a:rPr>
+              <a:t>Aktivitätsdiagramme erstellt</a:t>
+            </a:r>
+          </a:p>
+          <a:p>
+            <a:pPr lvl="0">
+              <a:spcBef>
+                <a:spcPct val="0"/>
+              </a:spcBef>
+              <a:spcAft>
+                <a:spcPct val="0"/>
+              </a:spcAft>
+              <a:buFontTx/>
+              <a:buChar char="-"/>
+            </a:pPr>
+            <a:endParaRPr lang="de-DE" altLang="de-DE" sz="2400" dirty="0">
+              <a:solidFill>
+                <a:prstClr val="black"/>
+              </a:solidFill>
+            </a:endParaRPr>
           </a:p>
         </p:txBody>
       </p:sp>
@@ -4613,18 +5479,18 @@
       </p:grpSpPr>
       <p:sp>
         <p:nvSpPr>
-          <p:cNvPr id="11266" name="Titel 5"/>
+          <p:cNvPr id="9218" name="Titel 3"/>
           <p:cNvSpPr>
             <a:spLocks noGrp="1"/>
           </p:cNvSpPr>
           <p:nvPr>
-            <p:ph type="ctrTitle"/>
+            <p:ph type="title"/>
           </p:nvPr>
         </p:nvSpPr>
         <p:spPr>
           <a:xfrm>
-            <a:off x="251520" y="3284984"/>
-            <a:ext cx="8064500" cy="2519363"/>
+            <a:off x="287338" y="287338"/>
+            <a:ext cx="8064500" cy="720725"/>
           </a:xfrm>
         </p:spPr>
         <p:txBody>
@@ -4633,76 +5499,39 @@
           <a:p>
             <a:r>
               <a:rPr lang="de-DE" altLang="de-DE" dirty="0" smtClean="0"/>
-              <a:t>FH Aachen </a:t>
+              <a:t>Projektstatus</a:t>
             </a:r>
             <a:br>
               <a:rPr lang="de-DE" altLang="de-DE" dirty="0" smtClean="0"/>
             </a:br>
             <a:r>
               <a:rPr lang="de-DE" altLang="de-DE" dirty="0" smtClean="0"/>
-              <a:t>Fachbereich Bauingenieurwesen</a:t>
-            </a:r>
-            <a:br>
-              <a:rPr lang="de-DE" altLang="de-DE" dirty="0" smtClean="0"/>
-            </a:br>
-            <a:r>
-              <a:rPr lang="de-DE" altLang="de-DE" dirty="0" smtClean="0"/>
-              <a:t/>
-            </a:r>
-            <a:br>
-              <a:rPr lang="de-DE" altLang="de-DE" dirty="0" smtClean="0"/>
-            </a:br>
-            <a:r>
-              <a:rPr lang="de-DE" altLang="de-DE" dirty="0" smtClean="0"/>
-              <a:t>Vorname Nachname</a:t>
-            </a:r>
-            <a:br>
-              <a:rPr lang="de-DE" altLang="de-DE" dirty="0" smtClean="0"/>
-            </a:br>
-            <a:r>
-              <a:rPr lang="de-DE" altLang="de-DE" dirty="0" smtClean="0"/>
-              <a:t>Matrikel-Nr.</a:t>
-            </a:r>
-            <a:br>
-              <a:rPr lang="de-DE" altLang="de-DE" dirty="0" smtClean="0"/>
-            </a:br>
-            <a:r>
-              <a:rPr lang="de-DE" altLang="de-DE" dirty="0"/>
-              <a:t>E</a:t>
-            </a:r>
-            <a:r>
-              <a:rPr lang="de-DE" altLang="de-DE" dirty="0" smtClean="0"/>
-              <a:t>-Mail Adresse </a:t>
-            </a:r>
-            <a:br>
-              <a:rPr lang="de-DE" altLang="de-DE" dirty="0" smtClean="0"/>
-            </a:br>
-            <a:r>
-              <a:rPr lang="de-DE" altLang="de-DE" dirty="0" smtClean="0"/>
-              <a:t/>
-            </a:r>
-            <a:br>
-              <a:rPr lang="de-DE" altLang="de-DE" dirty="0" smtClean="0"/>
-            </a:br>
-            <a:r>
-              <a:rPr lang="de-DE" altLang="de-DE" dirty="0" smtClean="0"/>
-              <a:t>www.fh-aachen.de</a:t>
-            </a:r>
+              <a:t>Projektplan</a:t>
+            </a:r>
+            <a:endParaRPr lang="de-DE" altLang="de-DE" dirty="0" smtClean="0"/>
           </a:p>
         </p:txBody>
       </p:sp>
       <p:sp>
         <p:nvSpPr>
-          <p:cNvPr id="11267" name="Fußzeilenplatzhalter 3"/>
-          <p:cNvSpPr>
-            <a:spLocks noGrp="1"/>
+          <p:cNvPr id="4" name="Inhaltsplatzhalter 2"/>
+          <p:cNvSpPr txBox="1">
+            <a:spLocks/>
           </p:cNvSpPr>
-          <p:nvPr>
-            <p:ph type="ftr" sz="quarter" idx="10"/>
-          </p:nvPr>
+          <p:nvPr/>
         </p:nvSpPr>
         <p:spPr bwMode="auto">
+          <a:xfrm>
+            <a:off x="285720" y="1428736"/>
+            <a:ext cx="8064000" cy="4938982"/>
+          </a:xfrm>
+          <a:prstGeom prst="rect">
+            <a:avLst/>
+          </a:prstGeom>
           <a:noFill/>
+          <a:ln>
+            <a:noFill/>
+          </a:ln>
           <a:extLst>
             <a:ext uri="{909E8E84-426E-40DD-AFC4-6F175D3DCCD1}">
               <a14:hiddenFill xmlns:a14="http://schemas.microsoft.com/office/drawing/2010/main" xmlns="">
@@ -4724,130 +5553,756 @@
           </a:extLst>
         </p:spPr>
         <p:txBody>
-          <a:bodyPr wrap="square" numCol="1" compatLnSpc="1">
+          <a:bodyPr vert="horz" wrap="square" lIns="0" tIns="0" rIns="0" bIns="0" numCol="1" anchor="t" anchorCtr="0" compatLnSpc="1">
             <a:prstTxWarp prst="textNoShape">
               <a:avLst/>
             </a:prstTxWarp>
           </a:bodyPr>
-          <a:lstStyle>
-            <a:lvl1pPr eaLnBrk="0" hangingPunct="0">
-              <a:defRPr>
-                <a:solidFill>
-                  <a:schemeClr val="tx1"/>
-                </a:solidFill>
-                <a:latin typeface="Arial" charset="0"/>
-              </a:defRPr>
-            </a:lvl1pPr>
-            <a:lvl2pPr marL="742950" indent="-285750" eaLnBrk="0" hangingPunct="0">
-              <a:defRPr>
-                <a:solidFill>
-                  <a:schemeClr val="tx1"/>
-                </a:solidFill>
-                <a:latin typeface="Arial" charset="0"/>
-              </a:defRPr>
-            </a:lvl2pPr>
-            <a:lvl3pPr marL="1143000" indent="-228600" eaLnBrk="0" hangingPunct="0">
-              <a:defRPr>
-                <a:solidFill>
-                  <a:schemeClr val="tx1"/>
-                </a:solidFill>
-                <a:latin typeface="Arial" charset="0"/>
-              </a:defRPr>
-            </a:lvl3pPr>
-            <a:lvl4pPr marL="1600200" indent="-228600" eaLnBrk="0" hangingPunct="0">
-              <a:defRPr>
-                <a:solidFill>
-                  <a:schemeClr val="tx1"/>
-                </a:solidFill>
-                <a:latin typeface="Arial" charset="0"/>
-              </a:defRPr>
-            </a:lvl4pPr>
-            <a:lvl5pPr marL="2057400" indent="-228600" eaLnBrk="0" hangingPunct="0">
-              <a:defRPr>
-                <a:solidFill>
-                  <a:schemeClr val="tx1"/>
-                </a:solidFill>
-                <a:latin typeface="Arial" charset="0"/>
-              </a:defRPr>
-            </a:lvl5pPr>
-            <a:lvl6pPr marL="2514600" indent="-228600" eaLnBrk="0" fontAlgn="base" hangingPunct="0">
+          <a:lstStyle/>
+          <a:p>
+            <a:pPr marL="0" marR="0" lvl="0" indent="0" algn="l" defTabSz="914400" rtl="0" eaLnBrk="1" fontAlgn="base" latinLnBrk="0" hangingPunct="1">
+              <a:lnSpc>
+                <a:spcPct val="100000"/>
+              </a:lnSpc>
               <a:spcBef>
                 <a:spcPct val="0"/>
               </a:spcBef>
               <a:spcAft>
                 <a:spcPct val="0"/>
               </a:spcAft>
-              <a:defRPr>
-                <a:solidFill>
-                  <a:schemeClr val="tx1"/>
-                </a:solidFill>
-                <a:latin typeface="Arial" charset="0"/>
-              </a:defRPr>
-            </a:lvl6pPr>
-            <a:lvl7pPr marL="2971800" indent="-228600" eaLnBrk="0" fontAlgn="base" hangingPunct="0">
+              <a:buClrTx/>
+              <a:buSzTx/>
+              <a:buFontTx/>
+              <a:buChar char="-"/>
+              <a:tabLst/>
+              <a:defRPr/>
+            </a:pPr>
+            <a:endParaRPr kumimoji="0" lang="de-DE" altLang="de-DE" sz="2400" b="0" i="0" u="none" strike="noStrike" kern="1200" cap="none" spc="0" normalizeH="0" baseline="0" noProof="0" dirty="0">
+              <a:ln>
+                <a:noFill/>
+              </a:ln>
+              <a:solidFill>
+                <a:prstClr val="black"/>
+              </a:solidFill>
+              <a:effectLst/>
+              <a:uLnTx/>
+              <a:uFillTx/>
+              <a:latin typeface="Verdana" pitchFamily="34" charset="0"/>
+              <a:ea typeface="+mn-ea"/>
+              <a:cs typeface="+mn-cs"/>
+            </a:endParaRPr>
+          </a:p>
+        </p:txBody>
+      </p:sp>
+      <p:sp>
+        <p:nvSpPr>
+          <p:cNvPr id="5" name="Inhaltsplatzhalter 2"/>
+          <p:cNvSpPr>
+            <a:spLocks noGrp="1"/>
+          </p:cNvSpPr>
+          <p:nvPr>
+            <p:ph idx="1"/>
+          </p:nvPr>
+        </p:nvSpPr>
+        <p:spPr>
+          <a:xfrm>
+            <a:off x="288000" y="1412776"/>
+            <a:ext cx="8064000" cy="4938982"/>
+          </a:xfrm>
+        </p:spPr>
+        <p:txBody>
+          <a:bodyPr/>
+          <a:lstStyle/>
+          <a:p>
+            <a:pPr lvl="0">
               <a:spcBef>
                 <a:spcPct val="0"/>
               </a:spcBef>
               <a:spcAft>
                 <a:spcPct val="0"/>
               </a:spcAft>
-              <a:defRPr>
-                <a:solidFill>
-                  <a:schemeClr val="tx1"/>
-                </a:solidFill>
-                <a:latin typeface="Arial" charset="0"/>
-              </a:defRPr>
-            </a:lvl7pPr>
-            <a:lvl8pPr marL="3429000" indent="-228600" eaLnBrk="0" fontAlgn="base" hangingPunct="0">
+              <a:buFontTx/>
+              <a:buChar char="-"/>
+            </a:pPr>
+            <a:r>
+              <a:rPr lang="de-DE" altLang="de-DE" sz="2400" dirty="0" smtClean="0">
+                <a:solidFill>
+                  <a:prstClr val="black"/>
+                </a:solidFill>
+              </a:rPr>
+              <a:t>Projektplan aktualisiert</a:t>
+            </a:r>
+          </a:p>
+          <a:p>
+            <a:pPr lvl="0">
               <a:spcBef>
                 <a:spcPct val="0"/>
               </a:spcBef>
               <a:spcAft>
                 <a:spcPct val="0"/>
               </a:spcAft>
-              <a:defRPr>
-                <a:solidFill>
-                  <a:schemeClr val="tx1"/>
-                </a:solidFill>
-                <a:latin typeface="Arial" charset="0"/>
-              </a:defRPr>
-            </a:lvl8pPr>
-            <a:lvl9pPr marL="3886200" indent="-228600" eaLnBrk="0" fontAlgn="base" hangingPunct="0">
+              <a:buFontTx/>
+              <a:buChar char="-"/>
+            </a:pPr>
+            <a:r>
+              <a:rPr lang="de-DE" altLang="de-DE" sz="2400" dirty="0" err="1" smtClean="0">
+                <a:solidFill>
+                  <a:prstClr val="black"/>
+                </a:solidFill>
+              </a:rPr>
+              <a:t>Milestones</a:t>
+            </a:r>
+            <a:r>
+              <a:rPr lang="de-DE" altLang="de-DE" sz="2400" dirty="0" smtClean="0">
+                <a:solidFill>
+                  <a:prstClr val="black"/>
+                </a:solidFill>
+              </a:rPr>
+              <a:t> eingefügt</a:t>
+            </a:r>
+          </a:p>
+          <a:p>
+            <a:pPr lvl="0">
               <a:spcBef>
                 <a:spcPct val="0"/>
               </a:spcBef>
               <a:spcAft>
                 <a:spcPct val="0"/>
               </a:spcAft>
-              <a:defRPr>
-                <a:solidFill>
-                  <a:schemeClr val="tx1"/>
-                </a:solidFill>
-                <a:latin typeface="Arial" charset="0"/>
-              </a:defRPr>
-            </a:lvl9pPr>
-          </a:lstStyle>
-          <a:p>
-            <a:pPr eaLnBrk="1" fontAlgn="base" hangingPunct="1">
+              <a:buFontTx/>
+              <a:buChar char="-"/>
+            </a:pPr>
+            <a:r>
+              <a:rPr lang="de-DE" altLang="de-DE" sz="2400" dirty="0" smtClean="0">
+                <a:solidFill>
+                  <a:prstClr val="black"/>
+                </a:solidFill>
+              </a:rPr>
+              <a:t>Verknüpfungen gesetzt</a:t>
+            </a:r>
+          </a:p>
+          <a:p>
+            <a:pPr lvl="0">
               <a:spcBef>
                 <a:spcPct val="0"/>
               </a:spcBef>
               <a:spcAft>
                 <a:spcPct val="0"/>
               </a:spcAft>
-            </a:pPr>
-            <a:r>
-              <a:rPr lang="de-DE" altLang="de-DE" b="1" dirty="0" smtClean="0">
-                <a:latin typeface="Verdana" pitchFamily="34" charset="0"/>
-              </a:rPr>
-              <a:t>© FH AACHEN </a:t>
-            </a:r>
-            <a:r>
-              <a:rPr lang="de-DE" altLang="de-DE" dirty="0" smtClean="0">
-                <a:latin typeface="Verdana" pitchFamily="34" charset="0"/>
-              </a:rPr>
-              <a:t>UNIVERSITY OF APPLIED SCIENCES  |  FACHBEREICH XXXXXX XXXXXXXXXXXXX  |  WWW.FH-AACHEN.DE</a:t>
-            </a:r>
+              <a:buFontTx/>
+              <a:buChar char="-"/>
+            </a:pPr>
+            <a:endParaRPr lang="de-DE" altLang="de-DE" sz="2400" dirty="0">
+              <a:solidFill>
+                <a:prstClr val="black"/>
+              </a:solidFill>
+            </a:endParaRPr>
+          </a:p>
+        </p:txBody>
+      </p:sp>
+      <p:pic>
+        <p:nvPicPr>
+          <p:cNvPr id="1027" name="Picture 3"/>
+          <p:cNvPicPr>
+            <a:picLocks noChangeAspect="1" noChangeArrowheads="1"/>
+          </p:cNvPicPr>
+          <p:nvPr/>
+        </p:nvPicPr>
+        <p:blipFill>
+          <a:blip r:embed="rId2"/>
+          <a:srcRect/>
+          <a:stretch>
+            <a:fillRect/>
+          </a:stretch>
+        </p:blipFill>
+        <p:spPr bwMode="auto">
+          <a:xfrm>
+            <a:off x="142844" y="2928934"/>
+            <a:ext cx="8501122" cy="2786319"/>
+          </a:xfrm>
+          <a:prstGeom prst="rect">
+            <a:avLst/>
+          </a:prstGeom>
+          <a:noFill/>
+          <a:ln w="9525">
+            <a:noFill/>
+            <a:miter lim="800000"/>
+            <a:headEnd/>
+            <a:tailEnd/>
+          </a:ln>
+          <a:effectLst/>
+        </p:spPr>
+      </p:pic>
+    </p:spTree>
+  </p:cSld>
+  <p:clrMapOvr>
+    <a:masterClrMapping/>
+  </p:clrMapOvr>
+  <p:timing>
+    <p:tnLst>
+      <p:par>
+        <p:cTn id="1" dur="indefinite" restart="never" nodeType="tmRoot"/>
+      </p:par>
+    </p:tnLst>
+  </p:timing>
+</p:sld>
+</file>
+
+<file path=ppt/slides/slide7.xml><?xml version="1.0" encoding="utf-8"?>
+<p:sld xmlns:a="http://schemas.openxmlformats.org/drawingml/2006/main" xmlns:r="http://schemas.openxmlformats.org/officeDocument/2006/relationships" xmlns:p="http://schemas.openxmlformats.org/presentationml/2006/main">
+  <p:cSld>
+    <p:spTree>
+      <p:nvGrpSpPr>
+        <p:cNvPr id="1" name=""/>
+        <p:cNvGrpSpPr/>
+        <p:nvPr/>
+      </p:nvGrpSpPr>
+      <p:grpSpPr>
+        <a:xfrm>
+          <a:off x="0" y="0"/>
+          <a:ext cx="0" cy="0"/>
+          <a:chOff x="0" y="0"/>
+          <a:chExt cx="0" cy="0"/>
+        </a:xfrm>
+      </p:grpSpPr>
+      <p:sp>
+        <p:nvSpPr>
+          <p:cNvPr id="9218" name="Titel 3"/>
+          <p:cNvSpPr>
+            <a:spLocks noGrp="1"/>
+          </p:cNvSpPr>
+          <p:nvPr>
+            <p:ph type="title"/>
+          </p:nvPr>
+        </p:nvSpPr>
+        <p:spPr>
+          <a:xfrm>
+            <a:off x="287338" y="287338"/>
+            <a:ext cx="8064500" cy="720725"/>
+          </a:xfrm>
+        </p:spPr>
+        <p:txBody>
+          <a:bodyPr/>
+          <a:lstStyle/>
+          <a:p>
+            <a:r>
+              <a:rPr lang="de-DE" altLang="de-DE" dirty="0" smtClean="0"/>
+              <a:t>Projektstatus</a:t>
+            </a:r>
+            <a:br>
+              <a:rPr lang="de-DE" altLang="de-DE" dirty="0" smtClean="0"/>
+            </a:br>
+            <a:r>
+              <a:rPr lang="de-DE" altLang="de-DE" dirty="0" smtClean="0"/>
+              <a:t>Zeiterfassung</a:t>
+            </a:r>
+            <a:endParaRPr lang="de-DE" altLang="de-DE" dirty="0" smtClean="0"/>
+          </a:p>
+        </p:txBody>
+      </p:sp>
+      <p:sp>
+        <p:nvSpPr>
+          <p:cNvPr id="4" name="Inhaltsplatzhalter 2"/>
+          <p:cNvSpPr txBox="1">
+            <a:spLocks/>
+          </p:cNvSpPr>
+          <p:nvPr/>
+        </p:nvSpPr>
+        <p:spPr bwMode="auto">
+          <a:xfrm>
+            <a:off x="285720" y="1428736"/>
+            <a:ext cx="8064000" cy="4938982"/>
+          </a:xfrm>
+          <a:prstGeom prst="rect">
+            <a:avLst/>
+          </a:prstGeom>
+          <a:noFill/>
+          <a:ln>
+            <a:noFill/>
+          </a:ln>
+          <a:extLst>
+            <a:ext uri="{909E8E84-426E-40DD-AFC4-6F175D3DCCD1}">
+              <a14:hiddenFill xmlns:a14="http://schemas.microsoft.com/office/drawing/2010/main" xmlns="">
+                <a:solidFill>
+                  <a:srgbClr val="FFFFFF"/>
+                </a:solidFill>
+              </a14:hiddenFill>
+            </a:ext>
+            <a:ext uri="{91240B29-F687-4F45-9708-019B960494DF}">
+              <a14:hiddenLine xmlns:a14="http://schemas.microsoft.com/office/drawing/2010/main" xmlns="" w="9525">
+                <a:solidFill>
+                  <a:srgbClr val="000000"/>
+                </a:solidFill>
+                <a:miter lim="800000"/>
+                <a:headEnd/>
+                <a:tailEnd/>
+              </a14:hiddenLine>
+            </a:ext>
+          </a:extLst>
+        </p:spPr>
+        <p:txBody>
+          <a:bodyPr vert="horz" wrap="square" lIns="0" tIns="0" rIns="0" bIns="0" numCol="1" anchor="t" anchorCtr="0" compatLnSpc="1">
+            <a:prstTxWarp prst="textNoShape">
+              <a:avLst/>
+            </a:prstTxWarp>
+          </a:bodyPr>
+          <a:lstStyle/>
+          <a:p>
+            <a:pPr marL="0" marR="0" lvl="0" indent="0" algn="l" defTabSz="914400" rtl="0" eaLnBrk="1" fontAlgn="base" latinLnBrk="0" hangingPunct="1">
+              <a:lnSpc>
+                <a:spcPct val="100000"/>
+              </a:lnSpc>
+              <a:spcBef>
+                <a:spcPct val="0"/>
+              </a:spcBef>
+              <a:spcAft>
+                <a:spcPct val="0"/>
+              </a:spcAft>
+              <a:buClrTx/>
+              <a:buSzTx/>
+              <a:buFontTx/>
+              <a:buChar char="-"/>
+              <a:tabLst/>
+              <a:defRPr/>
+            </a:pPr>
+            <a:endParaRPr kumimoji="0" lang="de-DE" altLang="de-DE" sz="2400" b="0" i="0" u="none" strike="noStrike" kern="1200" cap="none" spc="0" normalizeH="0" baseline="0" noProof="0" dirty="0">
+              <a:ln>
+                <a:noFill/>
+              </a:ln>
+              <a:solidFill>
+                <a:prstClr val="black"/>
+              </a:solidFill>
+              <a:effectLst/>
+              <a:uLnTx/>
+              <a:uFillTx/>
+              <a:latin typeface="Verdana" pitchFamily="34" charset="0"/>
+              <a:ea typeface="+mn-ea"/>
+              <a:cs typeface="+mn-cs"/>
+            </a:endParaRPr>
+          </a:p>
+        </p:txBody>
+      </p:sp>
+      <p:sp>
+        <p:nvSpPr>
+          <p:cNvPr id="5" name="Inhaltsplatzhalter 2"/>
+          <p:cNvSpPr>
+            <a:spLocks noGrp="1"/>
+          </p:cNvSpPr>
+          <p:nvPr>
+            <p:ph idx="1"/>
+          </p:nvPr>
+        </p:nvSpPr>
+        <p:spPr>
+          <a:xfrm>
+            <a:off x="288000" y="1412776"/>
+            <a:ext cx="8064000" cy="4938982"/>
+          </a:xfrm>
+        </p:spPr>
+        <p:txBody>
+          <a:bodyPr/>
+          <a:lstStyle/>
+          <a:p>
+            <a:pPr lvl="0">
+              <a:spcBef>
+                <a:spcPct val="0"/>
+              </a:spcBef>
+              <a:spcAft>
+                <a:spcPct val="0"/>
+              </a:spcAft>
+              <a:buFontTx/>
+              <a:buChar char="-"/>
+            </a:pPr>
+            <a:r>
+              <a:rPr lang="de-DE" altLang="de-DE" sz="2400" dirty="0" smtClean="0">
+                <a:solidFill>
+                  <a:prstClr val="black"/>
+                </a:solidFill>
+              </a:rPr>
+              <a:t>Zeiterfassungsbogen erstellt</a:t>
+            </a:r>
+          </a:p>
+          <a:p>
+            <a:pPr lvl="0">
+              <a:spcBef>
+                <a:spcPct val="0"/>
+              </a:spcBef>
+              <a:spcAft>
+                <a:spcPct val="0"/>
+              </a:spcAft>
+              <a:buFontTx/>
+              <a:buChar char="-"/>
+            </a:pPr>
+            <a:r>
+              <a:rPr lang="de-DE" altLang="de-DE" sz="2400" dirty="0" smtClean="0">
+                <a:solidFill>
+                  <a:prstClr val="black"/>
+                </a:solidFill>
+              </a:rPr>
+              <a:t>Jeder Mitarbeiter führt diesen für sich</a:t>
+            </a:r>
+          </a:p>
+          <a:p>
+            <a:pPr lvl="0">
+              <a:spcBef>
+                <a:spcPct val="0"/>
+              </a:spcBef>
+              <a:spcAft>
+                <a:spcPct val="0"/>
+              </a:spcAft>
+              <a:buFontTx/>
+              <a:buChar char="-"/>
+            </a:pPr>
+            <a:r>
+              <a:rPr lang="de-DE" altLang="de-DE" sz="2400" dirty="0" smtClean="0">
+                <a:solidFill>
+                  <a:prstClr val="black"/>
+                </a:solidFill>
+              </a:rPr>
+              <a:t>Projektmanager führen Zeiterfassungsbögen zu Gesamtzeiterfassung zusammen (wie oft?)</a:t>
+            </a:r>
+          </a:p>
+          <a:p>
+            <a:pPr lvl="0">
+              <a:spcBef>
+                <a:spcPct val="0"/>
+              </a:spcBef>
+              <a:spcAft>
+                <a:spcPct val="0"/>
+              </a:spcAft>
+              <a:buFontTx/>
+              <a:buChar char="-"/>
+            </a:pPr>
+            <a:endParaRPr lang="de-DE" altLang="de-DE" sz="2400" dirty="0">
+              <a:solidFill>
+                <a:prstClr val="black"/>
+              </a:solidFill>
+            </a:endParaRPr>
+          </a:p>
+        </p:txBody>
+      </p:sp>
+      <p:pic>
+        <p:nvPicPr>
+          <p:cNvPr id="2051" name="Picture 3"/>
+          <p:cNvPicPr>
+            <a:picLocks noChangeAspect="1" noChangeArrowheads="1"/>
+          </p:cNvPicPr>
+          <p:nvPr/>
+        </p:nvPicPr>
+        <p:blipFill>
+          <a:blip r:embed="rId2"/>
+          <a:srcRect/>
+          <a:stretch>
+            <a:fillRect/>
+          </a:stretch>
+        </p:blipFill>
+        <p:spPr bwMode="auto">
+          <a:xfrm>
+            <a:off x="357158" y="2928934"/>
+            <a:ext cx="5133977" cy="3388911"/>
+          </a:xfrm>
+          <a:prstGeom prst="rect">
+            <a:avLst/>
+          </a:prstGeom>
+          <a:noFill/>
+          <a:ln w="9525">
+            <a:noFill/>
+            <a:miter lim="800000"/>
+            <a:headEnd/>
+            <a:tailEnd/>
+          </a:ln>
+          <a:effectLst/>
+        </p:spPr>
+      </p:pic>
+    </p:spTree>
+  </p:cSld>
+  <p:clrMapOvr>
+    <a:masterClrMapping/>
+  </p:clrMapOvr>
+  <p:timing>
+    <p:tnLst>
+      <p:par>
+        <p:cTn id="1" dur="indefinite" restart="never" nodeType="tmRoot"/>
+      </p:par>
+    </p:tnLst>
+  </p:timing>
+</p:sld>
+</file>
+
+<file path=ppt/slides/slide8.xml><?xml version="1.0" encoding="utf-8"?>
+<p:sld xmlns:a="http://schemas.openxmlformats.org/drawingml/2006/main" xmlns:r="http://schemas.openxmlformats.org/officeDocument/2006/relationships" xmlns:p="http://schemas.openxmlformats.org/presentationml/2006/main">
+  <p:cSld>
+    <p:spTree>
+      <p:nvGrpSpPr>
+        <p:cNvPr id="1" name=""/>
+        <p:cNvGrpSpPr/>
+        <p:nvPr/>
+      </p:nvGrpSpPr>
+      <p:grpSpPr>
+        <a:xfrm>
+          <a:off x="0" y="0"/>
+          <a:ext cx="0" cy="0"/>
+          <a:chOff x="0" y="0"/>
+          <a:chExt cx="0" cy="0"/>
+        </a:xfrm>
+      </p:grpSpPr>
+      <p:sp>
+        <p:nvSpPr>
+          <p:cNvPr id="10242" name="Inhaltsplatzhalter 1"/>
+          <p:cNvSpPr>
+            <a:spLocks noGrp="1"/>
+          </p:cNvSpPr>
+          <p:nvPr>
+            <p:ph sz="half" idx="1"/>
+          </p:nvPr>
+        </p:nvSpPr>
+        <p:spPr>
+          <a:xfrm>
+            <a:off x="287338" y="1295400"/>
+            <a:ext cx="8070876" cy="5040313"/>
+          </a:xfrm>
+        </p:spPr>
+        <p:txBody>
+          <a:bodyPr/>
+          <a:lstStyle/>
+          <a:p>
+            <a:pPr marL="0" indent="0">
+              <a:buFontTx/>
+              <a:buChar char="-"/>
+            </a:pPr>
+            <a:r>
+              <a:rPr lang="de-DE" altLang="de-DE" dirty="0" smtClean="0"/>
+              <a:t>GUI-</a:t>
+            </a:r>
+            <a:r>
+              <a:rPr lang="de-DE" altLang="de-DE" dirty="0" err="1" smtClean="0"/>
+              <a:t>Mockup</a:t>
+            </a:r>
+            <a:r>
+              <a:rPr lang="de-DE" altLang="de-DE" dirty="0" smtClean="0"/>
+              <a:t> fertigstellen</a:t>
+            </a:r>
+          </a:p>
+          <a:p>
+            <a:pPr marL="0" indent="0">
+              <a:buFontTx/>
+              <a:buChar char="-"/>
+            </a:pPr>
+            <a:r>
+              <a:rPr lang="de-DE" altLang="de-DE" dirty="0" smtClean="0"/>
+              <a:t>Anforderungssammlung fertigstellen</a:t>
+            </a:r>
+            <a:endParaRPr lang="de-DE" altLang="de-DE" dirty="0" smtClean="0"/>
+          </a:p>
+          <a:p>
+            <a:pPr marL="0" indent="0">
+              <a:buFontTx/>
+              <a:buChar char="-"/>
+            </a:pPr>
+            <a:r>
+              <a:rPr lang="de-DE" altLang="de-DE" dirty="0" smtClean="0"/>
+              <a:t>Lastenheft fertigstellen und dem Kunden vorlegen</a:t>
+            </a:r>
+          </a:p>
+          <a:p>
+            <a:pPr marL="0" indent="0">
+              <a:buFontTx/>
+              <a:buChar char="-"/>
+            </a:pPr>
+            <a:endParaRPr lang="de-DE" altLang="de-DE" dirty="0" smtClean="0"/>
+          </a:p>
+        </p:txBody>
+      </p:sp>
+      <p:sp>
+        <p:nvSpPr>
+          <p:cNvPr id="10243" name="Titel 2"/>
+          <p:cNvSpPr>
+            <a:spLocks noGrp="1"/>
+          </p:cNvSpPr>
+          <p:nvPr>
+            <p:ph type="title"/>
+          </p:nvPr>
+        </p:nvSpPr>
+        <p:spPr>
+          <a:xfrm>
+            <a:off x="287338" y="287338"/>
+            <a:ext cx="8064500" cy="720725"/>
+          </a:xfrm>
+        </p:spPr>
+        <p:txBody>
+          <a:bodyPr/>
+          <a:lstStyle/>
+          <a:p>
+            <a:r>
+              <a:rPr lang="de-DE" altLang="de-DE" dirty="0" smtClean="0"/>
+              <a:t/>
+            </a:r>
+            <a:br>
+              <a:rPr lang="de-DE" altLang="de-DE" dirty="0" smtClean="0"/>
+            </a:br>
+            <a:r>
+              <a:rPr lang="de-DE" altLang="de-DE" dirty="0" smtClean="0"/>
+              <a:t>Ziele für nächste Woche</a:t>
+            </a:r>
+            <a:endParaRPr lang="de-DE" altLang="de-DE" dirty="0" smtClean="0"/>
+          </a:p>
+        </p:txBody>
+      </p:sp>
+    </p:spTree>
+  </p:cSld>
+  <p:clrMapOvr>
+    <a:masterClrMapping/>
+  </p:clrMapOvr>
+  <p:timing>
+    <p:tnLst>
+      <p:par>
+        <p:cTn id="1" dur="indefinite" restart="never" nodeType="tmRoot"/>
+      </p:par>
+    </p:tnLst>
+  </p:timing>
+</p:sld>
+</file>
+
+<file path=ppt/slides/slide9.xml><?xml version="1.0" encoding="utf-8"?>
+<p:sld xmlns:a="http://schemas.openxmlformats.org/drawingml/2006/main" xmlns:r="http://schemas.openxmlformats.org/officeDocument/2006/relationships" xmlns:p="http://schemas.openxmlformats.org/presentationml/2006/main">
+  <p:cSld>
+    <p:spTree>
+      <p:nvGrpSpPr>
+        <p:cNvPr id="1" name=""/>
+        <p:cNvGrpSpPr/>
+        <p:nvPr/>
+      </p:nvGrpSpPr>
+      <p:grpSpPr>
+        <a:xfrm>
+          <a:off x="0" y="0"/>
+          <a:ext cx="0" cy="0"/>
+          <a:chOff x="0" y="0"/>
+          <a:chExt cx="0" cy="0"/>
+        </a:xfrm>
+      </p:grpSpPr>
+      <p:sp>
+        <p:nvSpPr>
+          <p:cNvPr id="10243" name="Titel 2"/>
+          <p:cNvSpPr>
+            <a:spLocks noGrp="1"/>
+          </p:cNvSpPr>
+          <p:nvPr>
+            <p:ph type="title"/>
+          </p:nvPr>
+        </p:nvSpPr>
+        <p:spPr>
+          <a:xfrm>
+            <a:off x="287338" y="287338"/>
+            <a:ext cx="8064500" cy="720725"/>
+          </a:xfrm>
+        </p:spPr>
+        <p:txBody>
+          <a:bodyPr/>
+          <a:lstStyle/>
+          <a:p>
+            <a:r>
+              <a:rPr lang="de-DE" altLang="de-DE" dirty="0" smtClean="0"/>
+              <a:t/>
+            </a:r>
+            <a:br>
+              <a:rPr lang="de-DE" altLang="de-DE" dirty="0" smtClean="0"/>
+            </a:br>
+            <a:r>
+              <a:rPr lang="de-DE" altLang="de-DE" dirty="0" smtClean="0"/>
+              <a:t>Ampelstatus</a:t>
+            </a:r>
+            <a:endParaRPr lang="de-DE" altLang="de-DE" dirty="0" smtClean="0"/>
+          </a:p>
+        </p:txBody>
+      </p:sp>
+      <p:pic>
+        <p:nvPicPr>
+          <p:cNvPr id="3074" name="Picture 2" descr="C:\Users\MMA\Desktop\Uni\5. Semester\SWE\GitHub\swe\Dokumente\Coaching\Ampel Bilder\Ampel_gelb.png"/>
+          <p:cNvPicPr>
+            <a:picLocks noGrp="1" noChangeAspect="1" noChangeArrowheads="1"/>
+          </p:cNvPicPr>
+          <p:nvPr>
+            <p:ph sz="half" idx="1"/>
+          </p:nvPr>
+        </p:nvPicPr>
+        <p:blipFill>
+          <a:blip r:embed="rId2"/>
+          <a:srcRect/>
+          <a:stretch>
+            <a:fillRect/>
+          </a:stretch>
+        </p:blipFill>
+        <p:spPr bwMode="auto">
+          <a:xfrm>
+            <a:off x="3857620" y="1826943"/>
+            <a:ext cx="1000132" cy="1859402"/>
+          </a:xfrm>
+          <a:prstGeom prst="rect">
+            <a:avLst/>
+          </a:prstGeom>
+          <a:noFill/>
+        </p:spPr>
+      </p:pic>
+      <p:sp>
+        <p:nvSpPr>
+          <p:cNvPr id="5" name="Inhaltsplatzhalter 1"/>
+          <p:cNvSpPr>
+            <a:spLocks noGrp="1"/>
+          </p:cNvSpPr>
+          <p:nvPr>
+            <p:ph sz="half" idx="1"/>
+          </p:nvPr>
+        </p:nvSpPr>
+        <p:spPr>
+          <a:xfrm>
+            <a:off x="287338" y="4214818"/>
+            <a:ext cx="8070876" cy="2120895"/>
+          </a:xfrm>
+        </p:spPr>
+        <p:txBody>
+          <a:bodyPr/>
+          <a:lstStyle/>
+          <a:p>
+            <a:pPr marL="0" indent="0"/>
+            <a:r>
+              <a:rPr lang="de-DE" altLang="de-DE" dirty="0" smtClean="0"/>
+              <a:t>Statusänderung Grün -&gt; Gelb</a:t>
+            </a:r>
+          </a:p>
+          <a:p>
+            <a:pPr marL="0" indent="0">
+              <a:buFontTx/>
+              <a:buChar char="-"/>
+            </a:pPr>
+            <a:endParaRPr lang="de-DE" altLang="de-DE" dirty="0" smtClean="0"/>
+          </a:p>
+          <a:p>
+            <a:pPr marL="0" indent="0">
+              <a:buFontTx/>
+              <a:buChar char="-"/>
+            </a:pPr>
+            <a:r>
+              <a:rPr lang="de-DE" altLang="de-DE" dirty="0" smtClean="0"/>
+              <a:t>GUI-</a:t>
+            </a:r>
+            <a:r>
+              <a:rPr lang="de-DE" altLang="de-DE" dirty="0" err="1" smtClean="0"/>
+              <a:t>Mockup</a:t>
+            </a:r>
+            <a:r>
+              <a:rPr lang="de-DE" altLang="de-DE" dirty="0" smtClean="0"/>
+              <a:t> noch nicht ganz fertig</a:t>
+            </a:r>
+          </a:p>
+          <a:p>
+            <a:pPr marL="0" indent="0">
+              <a:buFontTx/>
+              <a:buChar char="-"/>
+            </a:pPr>
+            <a:r>
+              <a:rPr lang="de-DE" altLang="de-DE" dirty="0" smtClean="0"/>
+              <a:t>Lastenheft könnte weiter sein</a:t>
+            </a:r>
+            <a:endParaRPr lang="de-DE" altLang="de-DE" dirty="0" smtClean="0"/>
           </a:p>
         </p:txBody>
       </p:sp>

--- a/Dokumente/Coaching/2016-11-02 Präsentation Projektmgmt.pptx
+++ b/Dokumente/Coaching/2016-11-02 Präsentation Projektmgmt.pptx
@@ -327,7 +327,7 @@
     </p:spTree>
     <p:extLst>
       <p:ext uri="{BB962C8B-B14F-4D97-AF65-F5344CB8AC3E}">
-        <p14:creationId xmlns:p14="http://schemas.microsoft.com/office/powerpoint/2010/main" xmlns="" val="2667667891"/>
+        <p14:creationId xmlns="" xmlns:p14="http://schemas.microsoft.com/office/powerpoint/2010/main" val="2667667891"/>
       </p:ext>
     </p:extLst>
   </p:cSld>
@@ -605,7 +605,7 @@
     </p:spTree>
     <p:extLst>
       <p:ext uri="{BB962C8B-B14F-4D97-AF65-F5344CB8AC3E}">
-        <p14:creationId xmlns:p14="http://schemas.microsoft.com/office/powerpoint/2010/main" xmlns="" val="2795533648"/>
+        <p14:creationId xmlns="" xmlns:p14="http://schemas.microsoft.com/office/powerpoint/2010/main" val="2795533648"/>
       </p:ext>
     </p:extLst>
   </p:cSld>
@@ -778,7 +778,7 @@
           </a:ln>
           <a:extLst>
             <a:ext uri="{909E8E84-426E-40DD-AFC4-6F175D3DCCD1}">
-              <a14:hiddenFill xmlns:a14="http://schemas.microsoft.com/office/drawing/2010/main" xmlns="">
+              <a14:hiddenFill xmlns="" xmlns:a14="http://schemas.microsoft.com/office/drawing/2010/main">
                 <a:solidFill>
                   <a:srgbClr val="FFFFFF"/>
                 </a:solidFill>
@@ -801,14 +801,14 @@
           <a:noFill/>
           <a:extLst>
             <a:ext uri="{909E8E84-426E-40DD-AFC4-6F175D3DCCD1}">
-              <a14:hiddenFill xmlns:a14="http://schemas.microsoft.com/office/drawing/2010/main" xmlns="">
+              <a14:hiddenFill xmlns="" xmlns:a14="http://schemas.microsoft.com/office/drawing/2010/main">
                 <a:solidFill>
                   <a:srgbClr val="FFFFFF"/>
                 </a:solidFill>
               </a14:hiddenFill>
             </a:ext>
             <a:ext uri="{91240B29-F687-4F45-9708-019B960494DF}">
-              <a14:hiddenLine xmlns:a14="http://schemas.microsoft.com/office/drawing/2010/main" xmlns="" w="9525">
+              <a14:hiddenLine xmlns="" xmlns:a14="http://schemas.microsoft.com/office/drawing/2010/main" w="9525">
                 <a:solidFill>
                   <a:srgbClr val="000000"/>
                 </a:solidFill>
@@ -845,14 +845,14 @@
           <a:noFill/>
           <a:extLst>
             <a:ext uri="{909E8E84-426E-40DD-AFC4-6F175D3DCCD1}">
-              <a14:hiddenFill xmlns:a14="http://schemas.microsoft.com/office/drawing/2010/main" xmlns="">
+              <a14:hiddenFill xmlns="" xmlns:a14="http://schemas.microsoft.com/office/drawing/2010/main">
                 <a:solidFill>
                   <a:srgbClr val="FFFFFF"/>
                 </a:solidFill>
               </a14:hiddenFill>
             </a:ext>
             <a:ext uri="{91240B29-F687-4F45-9708-019B960494DF}">
-              <a14:hiddenLine xmlns:a14="http://schemas.microsoft.com/office/drawing/2010/main" xmlns="" w="9525">
+              <a14:hiddenLine xmlns="" xmlns:a14="http://schemas.microsoft.com/office/drawing/2010/main" w="9525">
                 <a:solidFill>
                   <a:srgbClr val="000000"/>
                 </a:solidFill>
@@ -1029,7 +1029,7 @@
           </a:ln>
           <a:extLst>
             <a:ext uri="{909E8E84-426E-40DD-AFC4-6F175D3DCCD1}">
-              <a14:hiddenFill xmlns:a14="http://schemas.microsoft.com/office/drawing/2010/main" xmlns="">
+              <a14:hiddenFill xmlns="" xmlns:a14="http://schemas.microsoft.com/office/drawing/2010/main">
                 <a:solidFill>
                   <a:srgbClr val="FFFFFF"/>
                 </a:solidFill>
@@ -1052,14 +1052,14 @@
           <a:noFill/>
           <a:extLst>
             <a:ext uri="{909E8E84-426E-40DD-AFC4-6F175D3DCCD1}">
-              <a14:hiddenFill xmlns:a14="http://schemas.microsoft.com/office/drawing/2010/main" xmlns="">
+              <a14:hiddenFill xmlns="" xmlns:a14="http://schemas.microsoft.com/office/drawing/2010/main">
                 <a:solidFill>
                   <a:srgbClr val="FFFFFF"/>
                 </a:solidFill>
               </a14:hiddenFill>
             </a:ext>
             <a:ext uri="{91240B29-F687-4F45-9708-019B960494DF}">
-              <a14:hiddenLine xmlns:a14="http://schemas.microsoft.com/office/drawing/2010/main" xmlns="" w="9525">
+              <a14:hiddenLine xmlns="" xmlns:a14="http://schemas.microsoft.com/office/drawing/2010/main" w="9525">
                 <a:solidFill>
                   <a:srgbClr val="000000"/>
                 </a:solidFill>
@@ -1096,14 +1096,14 @@
           <a:noFill/>
           <a:extLst>
             <a:ext uri="{909E8E84-426E-40DD-AFC4-6F175D3DCCD1}">
-              <a14:hiddenFill xmlns:a14="http://schemas.microsoft.com/office/drawing/2010/main" xmlns="">
+              <a14:hiddenFill xmlns="" xmlns:a14="http://schemas.microsoft.com/office/drawing/2010/main">
                 <a:solidFill>
                   <a:srgbClr val="FFFFFF"/>
                 </a:solidFill>
               </a14:hiddenFill>
             </a:ext>
             <a:ext uri="{91240B29-F687-4F45-9708-019B960494DF}">
-              <a14:hiddenLine xmlns:a14="http://schemas.microsoft.com/office/drawing/2010/main" xmlns="" w="9525">
+              <a14:hiddenLine xmlns="" xmlns:a14="http://schemas.microsoft.com/office/drawing/2010/main" w="9525">
                 <a:solidFill>
                   <a:srgbClr val="000000"/>
                 </a:solidFill>
@@ -1336,7 +1336,7 @@
           <a:blip r:embed="rId2">
             <a:extLst>
               <a:ext uri="{28A0092B-C50C-407E-A947-70E740481C1C}">
-                <a14:useLocalDpi xmlns:a14="http://schemas.microsoft.com/office/drawing/2010/main" xmlns="" val="0"/>
+                <a14:useLocalDpi xmlns="" xmlns:a14="http://schemas.microsoft.com/office/drawing/2010/main" val="0"/>
               </a:ext>
             </a:extLst>
           </a:blip>
@@ -1359,14 +1359,14 @@
           </a:ln>
           <a:extLst>
             <a:ext uri="{909E8E84-426E-40DD-AFC4-6F175D3DCCD1}">
-              <a14:hiddenFill xmlns:a14="http://schemas.microsoft.com/office/drawing/2010/main" xmlns="">
+              <a14:hiddenFill xmlns="" xmlns:a14="http://schemas.microsoft.com/office/drawing/2010/main">
                 <a:solidFill>
                   <a:srgbClr val="FFFFFF"/>
                 </a:solidFill>
               </a14:hiddenFill>
             </a:ext>
             <a:ext uri="{91240B29-F687-4F45-9708-019B960494DF}">
-              <a14:hiddenLine xmlns:a14="http://schemas.microsoft.com/office/drawing/2010/main" xmlns="" w="9525">
+              <a14:hiddenLine xmlns="" xmlns:a14="http://schemas.microsoft.com/office/drawing/2010/main" w="9525">
                 <a:solidFill>
                   <a:srgbClr val="000000"/>
                 </a:solidFill>
@@ -1598,7 +1598,7 @@
     </p:spTree>
     <p:extLst>
       <p:ext uri="{BB962C8B-B14F-4D97-AF65-F5344CB8AC3E}">
-        <p14:creationId xmlns:p14="http://schemas.microsoft.com/office/powerpoint/2010/main" xmlns="" val="161433667"/>
+        <p14:creationId xmlns="" xmlns:p14="http://schemas.microsoft.com/office/powerpoint/2010/main" val="161433667"/>
       </p:ext>
     </p:extLst>
   </p:cSld>
@@ -1783,7 +1783,7 @@
           <a:blip r:embed="rId2">
             <a:extLst>
               <a:ext uri="{28A0092B-C50C-407E-A947-70E740481C1C}">
-                <a14:useLocalDpi xmlns:a14="http://schemas.microsoft.com/office/drawing/2010/main" xmlns="" val="0"/>
+                <a14:useLocalDpi xmlns="" xmlns:a14="http://schemas.microsoft.com/office/drawing/2010/main" val="0"/>
               </a:ext>
             </a:extLst>
           </a:blip>
@@ -1806,14 +1806,14 @@
           </a:ln>
           <a:extLst>
             <a:ext uri="{909E8E84-426E-40DD-AFC4-6F175D3DCCD1}">
-              <a14:hiddenFill xmlns:a14="http://schemas.microsoft.com/office/drawing/2010/main" xmlns="">
+              <a14:hiddenFill xmlns="" xmlns:a14="http://schemas.microsoft.com/office/drawing/2010/main">
                 <a:solidFill>
                   <a:srgbClr val="FFFFFF"/>
                 </a:solidFill>
               </a14:hiddenFill>
             </a:ext>
             <a:ext uri="{91240B29-F687-4F45-9708-019B960494DF}">
-              <a14:hiddenLine xmlns:a14="http://schemas.microsoft.com/office/drawing/2010/main" xmlns="" w="9525">
+              <a14:hiddenLine xmlns="" xmlns:a14="http://schemas.microsoft.com/office/drawing/2010/main" w="9525">
                 <a:solidFill>
                   <a:srgbClr val="000000"/>
                 </a:solidFill>
@@ -1955,7 +1955,7 @@
     </p:spTree>
     <p:extLst>
       <p:ext uri="{BB962C8B-B14F-4D97-AF65-F5344CB8AC3E}">
-        <p14:creationId xmlns:p14="http://schemas.microsoft.com/office/powerpoint/2010/main" xmlns="" val="3865959554"/>
+        <p14:creationId xmlns="" xmlns:p14="http://schemas.microsoft.com/office/powerpoint/2010/main" val="3865959554"/>
       </p:ext>
     </p:extLst>
   </p:cSld>
@@ -2140,7 +2140,7 @@
           <a:blip r:embed="rId2">
             <a:extLst>
               <a:ext uri="{28A0092B-C50C-407E-A947-70E740481C1C}">
-                <a14:useLocalDpi xmlns:a14="http://schemas.microsoft.com/office/drawing/2010/main" xmlns="" val="0"/>
+                <a14:useLocalDpi xmlns="" xmlns:a14="http://schemas.microsoft.com/office/drawing/2010/main" val="0"/>
               </a:ext>
             </a:extLst>
           </a:blip>
@@ -2163,14 +2163,14 @@
           </a:ln>
           <a:extLst>
             <a:ext uri="{909E8E84-426E-40DD-AFC4-6F175D3DCCD1}">
-              <a14:hiddenFill xmlns:a14="http://schemas.microsoft.com/office/drawing/2010/main" xmlns="">
+              <a14:hiddenFill xmlns="" xmlns:a14="http://schemas.microsoft.com/office/drawing/2010/main">
                 <a:solidFill>
                   <a:srgbClr val="FFFFFF"/>
                 </a:solidFill>
               </a14:hiddenFill>
             </a:ext>
             <a:ext uri="{91240B29-F687-4F45-9708-019B960494DF}">
-              <a14:hiddenLine xmlns:a14="http://schemas.microsoft.com/office/drawing/2010/main" xmlns="" w="9525">
+              <a14:hiddenLine xmlns="" xmlns:a14="http://schemas.microsoft.com/office/drawing/2010/main" w="9525">
                 <a:solidFill>
                   <a:srgbClr val="000000"/>
                 </a:solidFill>
@@ -2341,7 +2341,7 @@
     </p:spTree>
     <p:extLst>
       <p:ext uri="{BB962C8B-B14F-4D97-AF65-F5344CB8AC3E}">
-        <p14:creationId xmlns:p14="http://schemas.microsoft.com/office/powerpoint/2010/main" xmlns="" val="3404298785"/>
+        <p14:creationId xmlns="" xmlns:p14="http://schemas.microsoft.com/office/powerpoint/2010/main" val="3404298785"/>
       </p:ext>
     </p:extLst>
   </p:cSld>
@@ -2526,7 +2526,7 @@
           <a:blip r:embed="rId2">
             <a:extLst>
               <a:ext uri="{28A0092B-C50C-407E-A947-70E740481C1C}">
-                <a14:useLocalDpi xmlns:a14="http://schemas.microsoft.com/office/drawing/2010/main" xmlns="" val="0"/>
+                <a14:useLocalDpi xmlns="" xmlns:a14="http://schemas.microsoft.com/office/drawing/2010/main" val="0"/>
               </a:ext>
             </a:extLst>
           </a:blip>
@@ -2549,14 +2549,14 @@
           </a:ln>
           <a:extLst>
             <a:ext uri="{909E8E84-426E-40DD-AFC4-6F175D3DCCD1}">
-              <a14:hiddenFill xmlns:a14="http://schemas.microsoft.com/office/drawing/2010/main" xmlns="">
+              <a14:hiddenFill xmlns="" xmlns:a14="http://schemas.microsoft.com/office/drawing/2010/main">
                 <a:solidFill>
                   <a:srgbClr val="FFFFFF"/>
                 </a:solidFill>
               </a14:hiddenFill>
             </a:ext>
             <a:ext uri="{91240B29-F687-4F45-9708-019B960494DF}">
-              <a14:hiddenLine xmlns:a14="http://schemas.microsoft.com/office/drawing/2010/main" xmlns="" w="9525">
+              <a14:hiddenLine xmlns="" xmlns:a14="http://schemas.microsoft.com/office/drawing/2010/main" w="9525">
                 <a:solidFill>
                   <a:srgbClr val="000000"/>
                 </a:solidFill>
@@ -2784,7 +2784,7 @@
     </p:spTree>
     <p:extLst>
       <p:ext uri="{BB962C8B-B14F-4D97-AF65-F5344CB8AC3E}">
-        <p14:creationId xmlns:p14="http://schemas.microsoft.com/office/powerpoint/2010/main" xmlns="" val="3982439678"/>
+        <p14:creationId xmlns="" xmlns:p14="http://schemas.microsoft.com/office/powerpoint/2010/main" val="3982439678"/>
       </p:ext>
     </p:extLst>
   </p:cSld>
@@ -2893,7 +2893,7 @@
           <a:blip r:embed="rId2">
             <a:extLst>
               <a:ext uri="{28A0092B-C50C-407E-A947-70E740481C1C}">
-                <a14:useLocalDpi xmlns:a14="http://schemas.microsoft.com/office/drawing/2010/main" xmlns="" val="0"/>
+                <a14:useLocalDpi xmlns="" xmlns:a14="http://schemas.microsoft.com/office/drawing/2010/main" val="0"/>
               </a:ext>
             </a:extLst>
           </a:blip>
@@ -2916,14 +2916,14 @@
           </a:ln>
           <a:extLst>
             <a:ext uri="{909E8E84-426E-40DD-AFC4-6F175D3DCCD1}">
-              <a14:hiddenFill xmlns:a14="http://schemas.microsoft.com/office/drawing/2010/main" xmlns="">
+              <a14:hiddenFill xmlns="" xmlns:a14="http://schemas.microsoft.com/office/drawing/2010/main">
                 <a:solidFill>
                   <a:srgbClr val="FFFFFF"/>
                 </a:solidFill>
               </a14:hiddenFill>
             </a:ext>
             <a:ext uri="{91240B29-F687-4F45-9708-019B960494DF}">
-              <a14:hiddenLine xmlns:a14="http://schemas.microsoft.com/office/drawing/2010/main" xmlns="" w="9525">
+              <a14:hiddenLine xmlns="" xmlns:a14="http://schemas.microsoft.com/office/drawing/2010/main" w="9525">
                 <a:solidFill>
                   <a:srgbClr val="000000"/>
                 </a:solidFill>
@@ -3037,7 +3037,7 @@
     </p:spTree>
     <p:extLst>
       <p:ext uri="{BB962C8B-B14F-4D97-AF65-F5344CB8AC3E}">
-        <p14:creationId xmlns:p14="http://schemas.microsoft.com/office/powerpoint/2010/main" xmlns="" val="3524090375"/>
+        <p14:creationId xmlns="" xmlns:p14="http://schemas.microsoft.com/office/powerpoint/2010/main" val="3524090375"/>
       </p:ext>
     </p:extLst>
   </p:cSld>
@@ -3096,14 +3096,14 @@
           </a:ln>
           <a:extLst>
             <a:ext uri="{909E8E84-426E-40DD-AFC4-6F175D3DCCD1}">
-              <a14:hiddenFill xmlns:a14="http://schemas.microsoft.com/office/drawing/2010/main" xmlns="">
+              <a14:hiddenFill xmlns="" xmlns:a14="http://schemas.microsoft.com/office/drawing/2010/main">
                 <a:solidFill>
                   <a:srgbClr val="FFFFFF"/>
                 </a:solidFill>
               </a14:hiddenFill>
             </a:ext>
             <a:ext uri="{91240B29-F687-4F45-9708-019B960494DF}">
-              <a14:hiddenLine xmlns:a14="http://schemas.microsoft.com/office/drawing/2010/main" xmlns="" w="9525">
+              <a14:hiddenLine xmlns="" xmlns:a14="http://schemas.microsoft.com/office/drawing/2010/main" w="9525">
                 <a:solidFill>
                   <a:srgbClr val="000000"/>
                 </a:solidFill>
@@ -3154,14 +3154,14 @@
           </a:ln>
           <a:extLst>
             <a:ext uri="{909E8E84-426E-40DD-AFC4-6F175D3DCCD1}">
-              <a14:hiddenFill xmlns:a14="http://schemas.microsoft.com/office/drawing/2010/main" xmlns="">
+              <a14:hiddenFill xmlns="" xmlns:a14="http://schemas.microsoft.com/office/drawing/2010/main">
                 <a:solidFill>
                   <a:srgbClr val="FFFFFF"/>
                 </a:solidFill>
               </a14:hiddenFill>
             </a:ext>
             <a:ext uri="{91240B29-F687-4F45-9708-019B960494DF}">
-              <a14:hiddenLine xmlns:a14="http://schemas.microsoft.com/office/drawing/2010/main" xmlns="" w="9525">
+              <a14:hiddenLine xmlns="" xmlns:a14="http://schemas.microsoft.com/office/drawing/2010/main" w="9525">
                 <a:solidFill>
                   <a:srgbClr val="000000"/>
                 </a:solidFill>
@@ -3823,14 +3823,6 @@
               </a:rPr>
               <a:t>Projektstatus 02.11.2016</a:t>
             </a:r>
-            <a:r>
-              <a:rPr lang="de-DE" dirty="0" smtClean="0">
-                <a:solidFill>
-                  <a:srgbClr val="00B1AC"/>
-                </a:solidFill>
-              </a:rPr>
-              <a:t/>
-            </a:r>
             <a:br>
               <a:rPr lang="de-DE" dirty="0" smtClean="0">
                 <a:solidFill>
@@ -3910,7 +3902,6 @@
               <a:rPr lang="de-DE" sz="1400" dirty="0" smtClean="0"/>
               <a:t>Gruppe 4, PO 2013</a:t>
             </a:r>
-            <a:endParaRPr lang="de-DE" sz="1400" dirty="0" smtClean="0"/>
           </a:p>
         </p:txBody>
       </p:sp>
@@ -3965,7 +3956,7 @@
     </p:spTree>
     <p:extLst>
       <p:ext uri="{BB962C8B-B14F-4D97-AF65-F5344CB8AC3E}">
-        <p14:creationId xmlns:p14="http://schemas.microsoft.com/office/powerpoint/2010/main" xmlns="" val="3083275860"/>
+        <p14:creationId xmlns="" xmlns:p14="http://schemas.microsoft.com/office/powerpoint/2010/main" val="3083275860"/>
       </p:ext>
     </p:extLst>
   </p:cSld>
@@ -4023,10 +4014,6 @@
               <a:rPr lang="de-DE" altLang="de-DE" dirty="0" smtClean="0"/>
               <a:t>SWE Projekt WS16/17</a:t>
             </a:r>
-            <a:r>
-              <a:rPr lang="de-DE" altLang="de-DE" dirty="0" smtClean="0"/>
-              <a:t/>
-            </a:r>
             <a:br>
               <a:rPr lang="de-DE" altLang="de-DE" dirty="0" smtClean="0"/>
             </a:br>
@@ -4040,10 +4027,6 @@
             <a:r>
               <a:rPr lang="de-DE" altLang="de-DE" dirty="0" smtClean="0"/>
               <a:t>Gruppe 4, PO 2013</a:t>
-            </a:r>
-            <a:r>
-              <a:rPr lang="de-DE" altLang="de-DE" dirty="0" smtClean="0"/>
-              <a:t/>
             </a:r>
             <a:br>
               <a:rPr lang="de-DE" altLang="de-DE" dirty="0" smtClean="0"/>
@@ -4083,14 +4066,14 @@
           <a:noFill/>
           <a:extLst>
             <a:ext uri="{909E8E84-426E-40DD-AFC4-6F175D3DCCD1}">
-              <a14:hiddenFill xmlns:a14="http://schemas.microsoft.com/office/drawing/2010/main" xmlns="">
+              <a14:hiddenFill xmlns="" xmlns:a14="http://schemas.microsoft.com/office/drawing/2010/main">
                 <a:solidFill>
                   <a:srgbClr val="FFFFFF"/>
                 </a:solidFill>
               </a14:hiddenFill>
             </a:ext>
             <a:ext uri="{91240B29-F687-4F45-9708-019B960494DF}">
-              <a14:hiddenLine xmlns:a14="http://schemas.microsoft.com/office/drawing/2010/main" xmlns="" w="9525">
+              <a14:hiddenLine xmlns="" xmlns:a14="http://schemas.microsoft.com/office/drawing/2010/main" w="9525">
                 <a:solidFill>
                   <a:srgbClr val="000000"/>
                 </a:solidFill>
@@ -4320,7 +4303,7 @@
             </a:pPr>
             <a:r>
               <a:rPr lang="de-DE" altLang="de-DE" dirty="0" smtClean="0"/>
-              <a:t>Kundentermin 26.10.</a:t>
+              <a:t>Kundentermin</a:t>
             </a:r>
             <a:endParaRPr lang="de-DE" altLang="de-DE" dirty="0" smtClean="0"/>
           </a:p>
@@ -4339,7 +4322,6 @@
               <a:rPr lang="de-DE" altLang="de-DE" dirty="0" smtClean="0"/>
               <a:t>Lastenheft</a:t>
             </a:r>
-            <a:endParaRPr lang="de-DE" altLang="de-DE" dirty="0" smtClean="0"/>
           </a:p>
           <a:p>
             <a:pPr marL="342900" lvl="0" indent="-342900">
@@ -4401,11 +4383,6 @@
               </a:rPr>
               <a:t>Ziele für nächste Woche</a:t>
             </a:r>
-            <a:endParaRPr lang="de-DE" altLang="de-DE" dirty="0" smtClean="0">
-              <a:solidFill>
-                <a:prstClr val="black"/>
-              </a:solidFill>
-            </a:endParaRPr>
           </a:p>
           <a:p>
             <a:pPr marL="342900" lvl="0" indent="-342900">
@@ -4520,23 +4497,7 @@
                   <a:prstClr val="black"/>
                 </a:solidFill>
               </a:rPr>
-              <a:t>Kundentermin am </a:t>
-            </a:r>
-            <a:r>
-              <a:rPr lang="de-DE" altLang="de-DE" dirty="0" smtClean="0">
-                <a:solidFill>
-                  <a:prstClr val="black"/>
-                </a:solidFill>
-              </a:rPr>
-              <a:t>26.10.2016	(1/2)</a:t>
-            </a:r>
-            <a:r>
-              <a:rPr lang="de-DE" altLang="de-DE" dirty="0" smtClean="0">
-                <a:solidFill>
-                  <a:prstClr val="black"/>
-                </a:solidFill>
-              </a:rPr>
-              <a:t/>
+              <a:t>Kundentermin am 26.10.2016	(1/2)</a:t>
             </a:r>
             <a:br>
               <a:rPr lang="de-DE" altLang="de-DE" dirty="0" smtClean="0">
@@ -4871,7 +4832,7 @@
     </p:spTree>
     <p:extLst>
       <p:ext uri="{BB962C8B-B14F-4D97-AF65-F5344CB8AC3E}">
-        <p14:creationId xmlns:p14="http://schemas.microsoft.com/office/powerpoint/2010/main" xmlns="" val="1764744486"/>
+        <p14:creationId xmlns="" xmlns:p14="http://schemas.microsoft.com/office/powerpoint/2010/main" val="1764744486"/>
       </p:ext>
     </p:extLst>
   </p:cSld>
@@ -4927,23 +4888,7 @@
                   <a:prstClr val="black"/>
                 </a:solidFill>
               </a:rPr>
-              <a:t>Kundentermin am </a:t>
-            </a:r>
-            <a:r>
-              <a:rPr lang="de-DE" altLang="de-DE" dirty="0" smtClean="0">
-                <a:solidFill>
-                  <a:prstClr val="black"/>
-                </a:solidFill>
-              </a:rPr>
-              <a:t>26.10.2016	(2/2)</a:t>
-            </a:r>
-            <a:r>
-              <a:rPr lang="de-DE" altLang="de-DE" dirty="0" smtClean="0">
-                <a:solidFill>
-                  <a:prstClr val="black"/>
-                </a:solidFill>
-              </a:rPr>
-              <a:t/>
+              <a:t>Kundentermin am 26.10.2016	(2/2)</a:t>
             </a:r>
             <a:br>
               <a:rPr lang="de-DE" altLang="de-DE" dirty="0" smtClean="0">
@@ -4992,23 +4937,7 @@
                   <a:prstClr val="black"/>
                 </a:solidFill>
               </a:rPr>
-              <a:t>Ampelsystem für </a:t>
-            </a:r>
-            <a:r>
-              <a:rPr lang="de-DE" altLang="de-DE" sz="2400" dirty="0" smtClean="0">
-                <a:solidFill>
-                  <a:prstClr val="black"/>
-                </a:solidFill>
-              </a:rPr>
-              <a:t>Füllstand </a:t>
-            </a:r>
-            <a:r>
-              <a:rPr lang="de-DE" altLang="de-DE" sz="2400" dirty="0" smtClean="0">
-                <a:solidFill>
-                  <a:prstClr val="black"/>
-                </a:solidFill>
-              </a:rPr>
-              <a:t>der Räume</a:t>
+              <a:t>Ampelsystem für Füllstand der Räume</a:t>
             </a:r>
           </a:p>
           <a:p>
@@ -5069,15 +4998,7 @@
                   <a:prstClr val="black"/>
                 </a:solidFill>
               </a:rPr>
-              <a:t> </a:t>
-            </a:r>
-            <a:r>
-              <a:rPr lang="de-DE" altLang="de-DE" sz="2400" dirty="0" smtClean="0">
-                <a:solidFill>
-                  <a:prstClr val="black"/>
-                </a:solidFill>
-              </a:rPr>
-              <a:t>ablehnen oder bestätigen ermöglichen</a:t>
+              <a:t> ablehnen oder bestätigen ermöglichen</a:t>
             </a:r>
           </a:p>
           <a:p>
@@ -5097,15 +5018,7 @@
                   <a:prstClr val="black"/>
                 </a:solidFill>
               </a:rPr>
-              <a:t>Administration über Seite ohne grafische </a:t>
-            </a:r>
-            <a:r>
-              <a:rPr lang="de-DE" altLang="de-DE" sz="2400" dirty="0" smtClean="0">
-                <a:solidFill>
-                  <a:prstClr val="black"/>
-                </a:solidFill>
-              </a:rPr>
-              <a:t>Anforderungen</a:t>
+              <a:t>Administration über Seite ohne grafische Anforderungen</a:t>
             </a:r>
           </a:p>
           <a:p>
@@ -5178,8 +5091,58 @@
                   <a:prstClr val="black"/>
                 </a:solidFill>
               </a:rPr>
-              <a:t>Nur Hochkant-Ansicht</a:t>
-            </a:r>
+              <a:t>Nur </a:t>
+            </a:r>
+            <a:r>
+              <a:rPr lang="de-DE" altLang="de-DE" sz="2400" dirty="0" smtClean="0">
+                <a:solidFill>
+                  <a:prstClr val="black"/>
+                </a:solidFill>
+              </a:rPr>
+              <a:t>Hochkant-Ansicht</a:t>
+            </a:r>
+          </a:p>
+          <a:p>
+            <a:pPr lvl="0">
+              <a:spcBef>
+                <a:spcPct val="0"/>
+              </a:spcBef>
+              <a:spcAft>
+                <a:spcPct val="0"/>
+              </a:spcAft>
+              <a:buFontTx/>
+              <a:buChar char="-"/>
+            </a:pPr>
+            <a:endParaRPr lang="de-DE" altLang="de-DE" sz="2400" dirty="0" smtClean="0">
+              <a:solidFill>
+                <a:prstClr val="black"/>
+              </a:solidFill>
+            </a:endParaRPr>
+          </a:p>
+          <a:p>
+            <a:pPr lvl="0">
+              <a:spcBef>
+                <a:spcPct val="0"/>
+              </a:spcBef>
+              <a:spcAft>
+                <a:spcPct val="0"/>
+              </a:spcAft>
+              <a:buFontTx/>
+              <a:buChar char="-"/>
+            </a:pPr>
+            <a:r>
+              <a:rPr lang="de-DE" altLang="de-DE" sz="2400" dirty="0" smtClean="0">
+                <a:solidFill>
+                  <a:prstClr val="black"/>
+                </a:solidFill>
+              </a:rPr>
+              <a:t>Nächster Kundentermin nächste Woche nach Einreichen einer ersten Version des Lastenheftes</a:t>
+            </a:r>
+            <a:endParaRPr lang="de-DE" altLang="de-DE" sz="2400" dirty="0" smtClean="0">
+              <a:solidFill>
+                <a:prstClr val="black"/>
+              </a:solidFill>
+            </a:endParaRPr>
           </a:p>
           <a:p>
             <a:pPr lvl="0">
@@ -5203,7 +5166,7 @@
     </p:spTree>
     <p:extLst>
       <p:ext uri="{BB962C8B-B14F-4D97-AF65-F5344CB8AC3E}">
-        <p14:creationId xmlns:p14="http://schemas.microsoft.com/office/powerpoint/2010/main" xmlns="" val="1764744486"/>
+        <p14:creationId xmlns="" xmlns:p14="http://schemas.microsoft.com/office/powerpoint/2010/main" val="1764744486"/>
       </p:ext>
     </p:extLst>
   </p:cSld>
@@ -5261,7 +5224,6 @@
               <a:rPr lang="de-DE" altLang="de-DE" dirty="0" smtClean="0"/>
               <a:t>Lastenheft</a:t>
             </a:r>
-            <a:endParaRPr lang="de-DE" altLang="de-DE" dirty="0" smtClean="0"/>
           </a:p>
         </p:txBody>
       </p:sp>
@@ -5287,14 +5249,14 @@
           </a:ln>
           <a:extLst>
             <a:ext uri="{909E8E84-426E-40DD-AFC4-6F175D3DCCD1}">
-              <a14:hiddenFill xmlns:a14="http://schemas.microsoft.com/office/drawing/2010/main" xmlns="">
+              <a14:hiddenFill xmlns="" xmlns:a14="http://schemas.microsoft.com/office/drawing/2010/main">
                 <a:solidFill>
                   <a:srgbClr val="FFFFFF"/>
                 </a:solidFill>
               </a14:hiddenFill>
             </a:ext>
             <a:ext uri="{91240B29-F687-4F45-9708-019B960494DF}">
-              <a14:hiddenLine xmlns:a14="http://schemas.microsoft.com/office/drawing/2010/main" xmlns="" w="9525">
+              <a14:hiddenLine xmlns="" xmlns:a14="http://schemas.microsoft.com/office/drawing/2010/main" w="9525">
                 <a:solidFill>
                   <a:srgbClr val="000000"/>
                 </a:solidFill>
@@ -5508,7 +5470,6 @@
               <a:rPr lang="de-DE" altLang="de-DE" dirty="0" smtClean="0"/>
               <a:t>Projektplan</a:t>
             </a:r>
-            <a:endParaRPr lang="de-DE" altLang="de-DE" dirty="0" smtClean="0"/>
           </a:p>
         </p:txBody>
       </p:sp>
@@ -5534,14 +5495,14 @@
           </a:ln>
           <a:extLst>
             <a:ext uri="{909E8E84-426E-40DD-AFC4-6F175D3DCCD1}">
-              <a14:hiddenFill xmlns:a14="http://schemas.microsoft.com/office/drawing/2010/main" xmlns="">
+              <a14:hiddenFill xmlns="" xmlns:a14="http://schemas.microsoft.com/office/drawing/2010/main">
                 <a:solidFill>
                   <a:srgbClr val="FFFFFF"/>
                 </a:solidFill>
               </a14:hiddenFill>
             </a:ext>
             <a:ext uri="{91240B29-F687-4F45-9708-019B960494DF}">
-              <a14:hiddenLine xmlns:a14="http://schemas.microsoft.com/office/drawing/2010/main" xmlns="" w="9525">
+              <a14:hiddenLine xmlns="" xmlns:a14="http://schemas.microsoft.com/office/drawing/2010/main" w="9525">
                 <a:solidFill>
                   <a:srgbClr val="000000"/>
                 </a:solidFill>
@@ -5796,7 +5757,6 @@
               <a:rPr lang="de-DE" altLang="de-DE" dirty="0" smtClean="0"/>
               <a:t>Zeiterfassung</a:t>
             </a:r>
-            <a:endParaRPr lang="de-DE" altLang="de-DE" dirty="0" smtClean="0"/>
           </a:p>
         </p:txBody>
       </p:sp>
@@ -5822,14 +5782,14 @@
           </a:ln>
           <a:extLst>
             <a:ext uri="{909E8E84-426E-40DD-AFC4-6F175D3DCCD1}">
-              <a14:hiddenFill xmlns:a14="http://schemas.microsoft.com/office/drawing/2010/main" xmlns="">
+              <a14:hiddenFill xmlns="" xmlns:a14="http://schemas.microsoft.com/office/drawing/2010/main">
                 <a:solidFill>
                   <a:srgbClr val="FFFFFF"/>
                 </a:solidFill>
               </a14:hiddenFill>
             </a:ext>
             <a:ext uri="{91240B29-F687-4F45-9708-019B960494DF}">
-              <a14:hiddenLine xmlns:a14="http://schemas.microsoft.com/office/drawing/2010/main" xmlns="" w="9525">
+              <a14:hiddenLine xmlns="" xmlns:a14="http://schemas.microsoft.com/office/drawing/2010/main" w="9525">
                 <a:solidFill>
                   <a:srgbClr val="000000"/>
                 </a:solidFill>
@@ -6091,7 +6051,6 @@
               <a:rPr lang="de-DE" altLang="de-DE" dirty="0" smtClean="0"/>
               <a:t>Anforderungssammlung fertigstellen</a:t>
             </a:r>
-            <a:endParaRPr lang="de-DE" altLang="de-DE" dirty="0" smtClean="0"/>
           </a:p>
           <a:p>
             <a:pPr marL="0" indent="0">
@@ -6143,7 +6102,6 @@
               <a:rPr lang="de-DE" altLang="de-DE" dirty="0" smtClean="0"/>
               <a:t>Ziele für nächste Woche</a:t>
             </a:r>
-            <a:endParaRPr lang="de-DE" altLang="de-DE" dirty="0" smtClean="0"/>
           </a:p>
         </p:txBody>
       </p:sp>
@@ -6210,7 +6168,6 @@
               <a:rPr lang="de-DE" altLang="de-DE" dirty="0" smtClean="0"/>
               <a:t>Ampelstatus</a:t>
             </a:r>
-            <a:endParaRPr lang="de-DE" altLang="de-DE" dirty="0" smtClean="0"/>
           </a:p>
         </p:txBody>
       </p:sp>
@@ -6302,7 +6259,6 @@
               <a:rPr lang="de-DE" altLang="de-DE" dirty="0" smtClean="0"/>
               <a:t>Lastenheft könnte weiter sein</a:t>
             </a:r>
-            <a:endParaRPr lang="de-DE" altLang="de-DE" dirty="0" smtClean="0"/>
           </a:p>
         </p:txBody>
       </p:sp>

--- a/Dokumente/Coaching/2016-11-02 Präsentation Projektmgmt.pptx
+++ b/Dokumente/Coaching/2016-11-02 Präsentation Projektmgmt.pptx
@@ -243,7 +243,7 @@
               <a:pPr>
                 <a:defRPr/>
               </a:pPr>
-              <a:t>01.11.2016</a:t>
+              <a:t>02.11.2016</a:t>
             </a:fld>
             <a:endParaRPr lang="de-DE"/>
           </a:p>
@@ -327,7 +327,7 @@
     </p:spTree>
     <p:extLst>
       <p:ext uri="{BB962C8B-B14F-4D97-AF65-F5344CB8AC3E}">
-        <p14:creationId xmlns="" xmlns:p14="http://schemas.microsoft.com/office/powerpoint/2010/main" val="2667667891"/>
+        <p14:creationId xmlns:p14="http://schemas.microsoft.com/office/powerpoint/2010/main" xmlns="" val="2667667891"/>
       </p:ext>
     </p:extLst>
   </p:cSld>
@@ -426,7 +426,7 @@
               <a:pPr>
                 <a:defRPr/>
               </a:pPr>
-              <a:t>01.11.2016</a:t>
+              <a:t>02.11.2016</a:t>
             </a:fld>
             <a:endParaRPr lang="de-DE"/>
           </a:p>
@@ -605,7 +605,7 @@
     </p:spTree>
     <p:extLst>
       <p:ext uri="{BB962C8B-B14F-4D97-AF65-F5344CB8AC3E}">
-        <p14:creationId xmlns="" xmlns:p14="http://schemas.microsoft.com/office/powerpoint/2010/main" val="2795533648"/>
+        <p14:creationId xmlns:p14="http://schemas.microsoft.com/office/powerpoint/2010/main" xmlns="" val="2795533648"/>
       </p:ext>
     </p:extLst>
   </p:cSld>
@@ -778,7 +778,7 @@
           </a:ln>
           <a:extLst>
             <a:ext uri="{909E8E84-426E-40DD-AFC4-6F175D3DCCD1}">
-              <a14:hiddenFill xmlns="" xmlns:a14="http://schemas.microsoft.com/office/drawing/2010/main">
+              <a14:hiddenFill xmlns:a14="http://schemas.microsoft.com/office/drawing/2010/main" xmlns="">
                 <a:solidFill>
                   <a:srgbClr val="FFFFFF"/>
                 </a:solidFill>
@@ -801,14 +801,14 @@
           <a:noFill/>
           <a:extLst>
             <a:ext uri="{909E8E84-426E-40DD-AFC4-6F175D3DCCD1}">
-              <a14:hiddenFill xmlns="" xmlns:a14="http://schemas.microsoft.com/office/drawing/2010/main">
+              <a14:hiddenFill xmlns:a14="http://schemas.microsoft.com/office/drawing/2010/main" xmlns="">
                 <a:solidFill>
                   <a:srgbClr val="FFFFFF"/>
                 </a:solidFill>
               </a14:hiddenFill>
             </a:ext>
             <a:ext uri="{91240B29-F687-4F45-9708-019B960494DF}">
-              <a14:hiddenLine xmlns="" xmlns:a14="http://schemas.microsoft.com/office/drawing/2010/main" w="9525">
+              <a14:hiddenLine xmlns:a14="http://schemas.microsoft.com/office/drawing/2010/main" xmlns="" w="9525">
                 <a:solidFill>
                   <a:srgbClr val="000000"/>
                 </a:solidFill>
@@ -845,14 +845,14 @@
           <a:noFill/>
           <a:extLst>
             <a:ext uri="{909E8E84-426E-40DD-AFC4-6F175D3DCCD1}">
-              <a14:hiddenFill xmlns="" xmlns:a14="http://schemas.microsoft.com/office/drawing/2010/main">
+              <a14:hiddenFill xmlns:a14="http://schemas.microsoft.com/office/drawing/2010/main" xmlns="">
                 <a:solidFill>
                   <a:srgbClr val="FFFFFF"/>
                 </a:solidFill>
               </a14:hiddenFill>
             </a:ext>
             <a:ext uri="{91240B29-F687-4F45-9708-019B960494DF}">
-              <a14:hiddenLine xmlns="" xmlns:a14="http://schemas.microsoft.com/office/drawing/2010/main" w="9525">
+              <a14:hiddenLine xmlns:a14="http://schemas.microsoft.com/office/drawing/2010/main" xmlns="" w="9525">
                 <a:solidFill>
                   <a:srgbClr val="000000"/>
                 </a:solidFill>
@@ -1029,7 +1029,7 @@
           </a:ln>
           <a:extLst>
             <a:ext uri="{909E8E84-426E-40DD-AFC4-6F175D3DCCD1}">
-              <a14:hiddenFill xmlns="" xmlns:a14="http://schemas.microsoft.com/office/drawing/2010/main">
+              <a14:hiddenFill xmlns:a14="http://schemas.microsoft.com/office/drawing/2010/main" xmlns="">
                 <a:solidFill>
                   <a:srgbClr val="FFFFFF"/>
                 </a:solidFill>
@@ -1052,14 +1052,14 @@
           <a:noFill/>
           <a:extLst>
             <a:ext uri="{909E8E84-426E-40DD-AFC4-6F175D3DCCD1}">
-              <a14:hiddenFill xmlns="" xmlns:a14="http://schemas.microsoft.com/office/drawing/2010/main">
+              <a14:hiddenFill xmlns:a14="http://schemas.microsoft.com/office/drawing/2010/main" xmlns="">
                 <a:solidFill>
                   <a:srgbClr val="FFFFFF"/>
                 </a:solidFill>
               </a14:hiddenFill>
             </a:ext>
             <a:ext uri="{91240B29-F687-4F45-9708-019B960494DF}">
-              <a14:hiddenLine xmlns="" xmlns:a14="http://schemas.microsoft.com/office/drawing/2010/main" w="9525">
+              <a14:hiddenLine xmlns:a14="http://schemas.microsoft.com/office/drawing/2010/main" xmlns="" w="9525">
                 <a:solidFill>
                   <a:srgbClr val="000000"/>
                 </a:solidFill>
@@ -1096,14 +1096,14 @@
           <a:noFill/>
           <a:extLst>
             <a:ext uri="{909E8E84-426E-40DD-AFC4-6F175D3DCCD1}">
-              <a14:hiddenFill xmlns="" xmlns:a14="http://schemas.microsoft.com/office/drawing/2010/main">
+              <a14:hiddenFill xmlns:a14="http://schemas.microsoft.com/office/drawing/2010/main" xmlns="">
                 <a:solidFill>
                   <a:srgbClr val="FFFFFF"/>
                 </a:solidFill>
               </a14:hiddenFill>
             </a:ext>
             <a:ext uri="{91240B29-F687-4F45-9708-019B960494DF}">
-              <a14:hiddenLine xmlns="" xmlns:a14="http://schemas.microsoft.com/office/drawing/2010/main" w="9525">
+              <a14:hiddenLine xmlns:a14="http://schemas.microsoft.com/office/drawing/2010/main" xmlns="" w="9525">
                 <a:solidFill>
                   <a:srgbClr val="000000"/>
                 </a:solidFill>
@@ -1336,7 +1336,7 @@
           <a:blip r:embed="rId2">
             <a:extLst>
               <a:ext uri="{28A0092B-C50C-407E-A947-70E740481C1C}">
-                <a14:useLocalDpi xmlns="" xmlns:a14="http://schemas.microsoft.com/office/drawing/2010/main" val="0"/>
+                <a14:useLocalDpi xmlns:a14="http://schemas.microsoft.com/office/drawing/2010/main" xmlns="" val="0"/>
               </a:ext>
             </a:extLst>
           </a:blip>
@@ -1359,14 +1359,14 @@
           </a:ln>
           <a:extLst>
             <a:ext uri="{909E8E84-426E-40DD-AFC4-6F175D3DCCD1}">
-              <a14:hiddenFill xmlns="" xmlns:a14="http://schemas.microsoft.com/office/drawing/2010/main">
+              <a14:hiddenFill xmlns:a14="http://schemas.microsoft.com/office/drawing/2010/main" xmlns="">
                 <a:solidFill>
                   <a:srgbClr val="FFFFFF"/>
                 </a:solidFill>
               </a14:hiddenFill>
             </a:ext>
             <a:ext uri="{91240B29-F687-4F45-9708-019B960494DF}">
-              <a14:hiddenLine xmlns="" xmlns:a14="http://schemas.microsoft.com/office/drawing/2010/main" w="9525">
+              <a14:hiddenLine xmlns:a14="http://schemas.microsoft.com/office/drawing/2010/main" xmlns="" w="9525">
                 <a:solidFill>
                   <a:srgbClr val="000000"/>
                 </a:solidFill>
@@ -1598,7 +1598,7 @@
     </p:spTree>
     <p:extLst>
       <p:ext uri="{BB962C8B-B14F-4D97-AF65-F5344CB8AC3E}">
-        <p14:creationId xmlns="" xmlns:p14="http://schemas.microsoft.com/office/powerpoint/2010/main" val="161433667"/>
+        <p14:creationId xmlns:p14="http://schemas.microsoft.com/office/powerpoint/2010/main" xmlns="" val="161433667"/>
       </p:ext>
     </p:extLst>
   </p:cSld>
@@ -1745,7 +1745,7 @@
                 </a:tabLst>
                 <a:defRPr/>
               </a:pPr>
-              <a:t>1. November 2016</a:t>
+              <a:t>2. November 2016</a:t>
             </a:fld>
             <a:r>
               <a:rPr lang="de-DE" sz="800" dirty="0">
@@ -1783,7 +1783,7 @@
           <a:blip r:embed="rId2">
             <a:extLst>
               <a:ext uri="{28A0092B-C50C-407E-A947-70E740481C1C}">
-                <a14:useLocalDpi xmlns="" xmlns:a14="http://schemas.microsoft.com/office/drawing/2010/main" val="0"/>
+                <a14:useLocalDpi xmlns:a14="http://schemas.microsoft.com/office/drawing/2010/main" xmlns="" val="0"/>
               </a:ext>
             </a:extLst>
           </a:blip>
@@ -1806,14 +1806,14 @@
           </a:ln>
           <a:extLst>
             <a:ext uri="{909E8E84-426E-40DD-AFC4-6F175D3DCCD1}">
-              <a14:hiddenFill xmlns="" xmlns:a14="http://schemas.microsoft.com/office/drawing/2010/main">
+              <a14:hiddenFill xmlns:a14="http://schemas.microsoft.com/office/drawing/2010/main" xmlns="">
                 <a:solidFill>
                   <a:srgbClr val="FFFFFF"/>
                 </a:solidFill>
               </a14:hiddenFill>
             </a:ext>
             <a:ext uri="{91240B29-F687-4F45-9708-019B960494DF}">
-              <a14:hiddenLine xmlns="" xmlns:a14="http://schemas.microsoft.com/office/drawing/2010/main" w="9525">
+              <a14:hiddenLine xmlns:a14="http://schemas.microsoft.com/office/drawing/2010/main" xmlns="" w="9525">
                 <a:solidFill>
                   <a:srgbClr val="000000"/>
                 </a:solidFill>
@@ -1955,7 +1955,7 @@
     </p:spTree>
     <p:extLst>
       <p:ext uri="{BB962C8B-B14F-4D97-AF65-F5344CB8AC3E}">
-        <p14:creationId xmlns="" xmlns:p14="http://schemas.microsoft.com/office/powerpoint/2010/main" val="3865959554"/>
+        <p14:creationId xmlns:p14="http://schemas.microsoft.com/office/powerpoint/2010/main" xmlns="" val="3865959554"/>
       </p:ext>
     </p:extLst>
   </p:cSld>
@@ -2102,7 +2102,7 @@
                 </a:tabLst>
                 <a:defRPr/>
               </a:pPr>
-              <a:t>1. November 2016</a:t>
+              <a:t>2. November 2016</a:t>
             </a:fld>
             <a:r>
               <a:rPr lang="de-DE" sz="800" dirty="0">
@@ -2140,7 +2140,7 @@
           <a:blip r:embed="rId2">
             <a:extLst>
               <a:ext uri="{28A0092B-C50C-407E-A947-70E740481C1C}">
-                <a14:useLocalDpi xmlns="" xmlns:a14="http://schemas.microsoft.com/office/drawing/2010/main" val="0"/>
+                <a14:useLocalDpi xmlns:a14="http://schemas.microsoft.com/office/drawing/2010/main" xmlns="" val="0"/>
               </a:ext>
             </a:extLst>
           </a:blip>
@@ -2163,14 +2163,14 @@
           </a:ln>
           <a:extLst>
             <a:ext uri="{909E8E84-426E-40DD-AFC4-6F175D3DCCD1}">
-              <a14:hiddenFill xmlns="" xmlns:a14="http://schemas.microsoft.com/office/drawing/2010/main">
+              <a14:hiddenFill xmlns:a14="http://schemas.microsoft.com/office/drawing/2010/main" xmlns="">
                 <a:solidFill>
                   <a:srgbClr val="FFFFFF"/>
                 </a:solidFill>
               </a14:hiddenFill>
             </a:ext>
             <a:ext uri="{91240B29-F687-4F45-9708-019B960494DF}">
-              <a14:hiddenLine xmlns="" xmlns:a14="http://schemas.microsoft.com/office/drawing/2010/main" w="9525">
+              <a14:hiddenLine xmlns:a14="http://schemas.microsoft.com/office/drawing/2010/main" xmlns="" w="9525">
                 <a:solidFill>
                   <a:srgbClr val="000000"/>
                 </a:solidFill>
@@ -2341,7 +2341,7 @@
     </p:spTree>
     <p:extLst>
       <p:ext uri="{BB962C8B-B14F-4D97-AF65-F5344CB8AC3E}">
-        <p14:creationId xmlns="" xmlns:p14="http://schemas.microsoft.com/office/powerpoint/2010/main" val="3404298785"/>
+        <p14:creationId xmlns:p14="http://schemas.microsoft.com/office/powerpoint/2010/main" xmlns="" val="3404298785"/>
       </p:ext>
     </p:extLst>
   </p:cSld>
@@ -2488,7 +2488,7 @@
                 </a:tabLst>
                 <a:defRPr/>
               </a:pPr>
-              <a:t>1. November 2016</a:t>
+              <a:t>2. November 2016</a:t>
             </a:fld>
             <a:r>
               <a:rPr lang="de-DE" sz="800" dirty="0">
@@ -2526,7 +2526,7 @@
           <a:blip r:embed="rId2">
             <a:extLst>
               <a:ext uri="{28A0092B-C50C-407E-A947-70E740481C1C}">
-                <a14:useLocalDpi xmlns="" xmlns:a14="http://schemas.microsoft.com/office/drawing/2010/main" val="0"/>
+                <a14:useLocalDpi xmlns:a14="http://schemas.microsoft.com/office/drawing/2010/main" xmlns="" val="0"/>
               </a:ext>
             </a:extLst>
           </a:blip>
@@ -2549,14 +2549,14 @@
           </a:ln>
           <a:extLst>
             <a:ext uri="{909E8E84-426E-40DD-AFC4-6F175D3DCCD1}">
-              <a14:hiddenFill xmlns="" xmlns:a14="http://schemas.microsoft.com/office/drawing/2010/main">
+              <a14:hiddenFill xmlns:a14="http://schemas.microsoft.com/office/drawing/2010/main" xmlns="">
                 <a:solidFill>
                   <a:srgbClr val="FFFFFF"/>
                 </a:solidFill>
               </a14:hiddenFill>
             </a:ext>
             <a:ext uri="{91240B29-F687-4F45-9708-019B960494DF}">
-              <a14:hiddenLine xmlns="" xmlns:a14="http://schemas.microsoft.com/office/drawing/2010/main" w="9525">
+              <a14:hiddenLine xmlns:a14="http://schemas.microsoft.com/office/drawing/2010/main" xmlns="" w="9525">
                 <a:solidFill>
                   <a:srgbClr val="000000"/>
                 </a:solidFill>
@@ -2784,7 +2784,7 @@
     </p:spTree>
     <p:extLst>
       <p:ext uri="{BB962C8B-B14F-4D97-AF65-F5344CB8AC3E}">
-        <p14:creationId xmlns="" xmlns:p14="http://schemas.microsoft.com/office/powerpoint/2010/main" val="3982439678"/>
+        <p14:creationId xmlns:p14="http://schemas.microsoft.com/office/powerpoint/2010/main" xmlns="" val="3982439678"/>
       </p:ext>
     </p:extLst>
   </p:cSld>
@@ -2893,7 +2893,7 @@
           <a:blip r:embed="rId2">
             <a:extLst>
               <a:ext uri="{28A0092B-C50C-407E-A947-70E740481C1C}">
-                <a14:useLocalDpi xmlns="" xmlns:a14="http://schemas.microsoft.com/office/drawing/2010/main" val="0"/>
+                <a14:useLocalDpi xmlns:a14="http://schemas.microsoft.com/office/drawing/2010/main" xmlns="" val="0"/>
               </a:ext>
             </a:extLst>
           </a:blip>
@@ -2916,14 +2916,14 @@
           </a:ln>
           <a:extLst>
             <a:ext uri="{909E8E84-426E-40DD-AFC4-6F175D3DCCD1}">
-              <a14:hiddenFill xmlns="" xmlns:a14="http://schemas.microsoft.com/office/drawing/2010/main">
+              <a14:hiddenFill xmlns:a14="http://schemas.microsoft.com/office/drawing/2010/main" xmlns="">
                 <a:solidFill>
                   <a:srgbClr val="FFFFFF"/>
                 </a:solidFill>
               </a14:hiddenFill>
             </a:ext>
             <a:ext uri="{91240B29-F687-4F45-9708-019B960494DF}">
-              <a14:hiddenLine xmlns="" xmlns:a14="http://schemas.microsoft.com/office/drawing/2010/main" w="9525">
+              <a14:hiddenLine xmlns:a14="http://schemas.microsoft.com/office/drawing/2010/main" xmlns="" w="9525">
                 <a:solidFill>
                   <a:srgbClr val="000000"/>
                 </a:solidFill>
@@ -3037,7 +3037,7 @@
     </p:spTree>
     <p:extLst>
       <p:ext uri="{BB962C8B-B14F-4D97-AF65-F5344CB8AC3E}">
-        <p14:creationId xmlns="" xmlns:p14="http://schemas.microsoft.com/office/powerpoint/2010/main" val="3524090375"/>
+        <p14:creationId xmlns:p14="http://schemas.microsoft.com/office/powerpoint/2010/main" xmlns="" val="3524090375"/>
       </p:ext>
     </p:extLst>
   </p:cSld>
@@ -3096,14 +3096,14 @@
           </a:ln>
           <a:extLst>
             <a:ext uri="{909E8E84-426E-40DD-AFC4-6F175D3DCCD1}">
-              <a14:hiddenFill xmlns="" xmlns:a14="http://schemas.microsoft.com/office/drawing/2010/main">
+              <a14:hiddenFill xmlns:a14="http://schemas.microsoft.com/office/drawing/2010/main" xmlns="">
                 <a:solidFill>
                   <a:srgbClr val="FFFFFF"/>
                 </a:solidFill>
               </a14:hiddenFill>
             </a:ext>
             <a:ext uri="{91240B29-F687-4F45-9708-019B960494DF}">
-              <a14:hiddenLine xmlns="" xmlns:a14="http://schemas.microsoft.com/office/drawing/2010/main" w="9525">
+              <a14:hiddenLine xmlns:a14="http://schemas.microsoft.com/office/drawing/2010/main" xmlns="" w="9525">
                 <a:solidFill>
                   <a:srgbClr val="000000"/>
                 </a:solidFill>
@@ -3154,14 +3154,14 @@
           </a:ln>
           <a:extLst>
             <a:ext uri="{909E8E84-426E-40DD-AFC4-6F175D3DCCD1}">
-              <a14:hiddenFill xmlns="" xmlns:a14="http://schemas.microsoft.com/office/drawing/2010/main">
+              <a14:hiddenFill xmlns:a14="http://schemas.microsoft.com/office/drawing/2010/main" xmlns="">
                 <a:solidFill>
                   <a:srgbClr val="FFFFFF"/>
                 </a:solidFill>
               </a14:hiddenFill>
             </a:ext>
             <a:ext uri="{91240B29-F687-4F45-9708-019B960494DF}">
-              <a14:hiddenLine xmlns="" xmlns:a14="http://schemas.microsoft.com/office/drawing/2010/main" w="9525">
+              <a14:hiddenLine xmlns:a14="http://schemas.microsoft.com/office/drawing/2010/main" xmlns="" w="9525">
                 <a:solidFill>
                   <a:srgbClr val="000000"/>
                 </a:solidFill>
@@ -3262,7 +3262,7 @@
               <a:pPr>
                 <a:defRPr/>
               </a:pPr>
-              <a:t>1. November 2016</a:t>
+              <a:t>2. November 2016</a:t>
             </a:fld>
             <a:endParaRPr lang="de-DE" dirty="0"/>
           </a:p>
@@ -3956,7 +3956,7 @@
     </p:spTree>
     <p:extLst>
       <p:ext uri="{BB962C8B-B14F-4D97-AF65-F5344CB8AC3E}">
-        <p14:creationId xmlns="" xmlns:p14="http://schemas.microsoft.com/office/powerpoint/2010/main" val="3083275860"/>
+        <p14:creationId xmlns:p14="http://schemas.microsoft.com/office/powerpoint/2010/main" xmlns="" val="3083275860"/>
       </p:ext>
     </p:extLst>
   </p:cSld>
@@ -4066,14 +4066,14 @@
           <a:noFill/>
           <a:extLst>
             <a:ext uri="{909E8E84-426E-40DD-AFC4-6F175D3DCCD1}">
-              <a14:hiddenFill xmlns="" xmlns:a14="http://schemas.microsoft.com/office/drawing/2010/main">
+              <a14:hiddenFill xmlns:a14="http://schemas.microsoft.com/office/drawing/2010/main" xmlns="">
                 <a:solidFill>
                   <a:srgbClr val="FFFFFF"/>
                 </a:solidFill>
               </a14:hiddenFill>
             </a:ext>
             <a:ext uri="{91240B29-F687-4F45-9708-019B960494DF}">
-              <a14:hiddenLine xmlns="" xmlns:a14="http://schemas.microsoft.com/office/drawing/2010/main" w="9525">
+              <a14:hiddenLine xmlns:a14="http://schemas.microsoft.com/office/drawing/2010/main" xmlns="" w="9525">
                 <a:solidFill>
                   <a:srgbClr val="000000"/>
                 </a:solidFill>
@@ -4305,7 +4305,6 @@
               <a:rPr lang="de-DE" altLang="de-DE" dirty="0" smtClean="0"/>
               <a:t>Kundentermin</a:t>
             </a:r>
-            <a:endParaRPr lang="de-DE" altLang="de-DE" dirty="0" smtClean="0"/>
           </a:p>
           <a:p>
             <a:pPr marL="342900" indent="-342900">
@@ -4832,7 +4831,7 @@
     </p:spTree>
     <p:extLst>
       <p:ext uri="{BB962C8B-B14F-4D97-AF65-F5344CB8AC3E}">
-        <p14:creationId xmlns="" xmlns:p14="http://schemas.microsoft.com/office/powerpoint/2010/main" val="1764744486"/>
+        <p14:creationId xmlns:p14="http://schemas.microsoft.com/office/powerpoint/2010/main" xmlns="" val="1764744486"/>
       </p:ext>
     </p:extLst>
   </p:cSld>
@@ -5091,15 +5090,7 @@
                   <a:prstClr val="black"/>
                 </a:solidFill>
               </a:rPr>
-              <a:t>Nur </a:t>
-            </a:r>
-            <a:r>
-              <a:rPr lang="de-DE" altLang="de-DE" sz="2400" dirty="0" smtClean="0">
-                <a:solidFill>
-                  <a:prstClr val="black"/>
-                </a:solidFill>
-              </a:rPr>
-              <a:t>Hochkant-Ansicht</a:t>
+              <a:t>Nur Hochkant-Ansicht</a:t>
             </a:r>
           </a:p>
           <a:p>
@@ -5138,11 +5129,6 @@
               </a:rPr>
               <a:t>Nächster Kundentermin nächste Woche nach Einreichen einer ersten Version des Lastenheftes</a:t>
             </a:r>
-            <a:endParaRPr lang="de-DE" altLang="de-DE" sz="2400" dirty="0" smtClean="0">
-              <a:solidFill>
-                <a:prstClr val="black"/>
-              </a:solidFill>
-            </a:endParaRPr>
           </a:p>
           <a:p>
             <a:pPr lvl="0">
@@ -5166,7 +5152,7 @@
     </p:spTree>
     <p:extLst>
       <p:ext uri="{BB962C8B-B14F-4D97-AF65-F5344CB8AC3E}">
-        <p14:creationId xmlns="" xmlns:p14="http://schemas.microsoft.com/office/powerpoint/2010/main" val="1764744486"/>
+        <p14:creationId xmlns:p14="http://schemas.microsoft.com/office/powerpoint/2010/main" xmlns="" val="1764744486"/>
       </p:ext>
     </p:extLst>
   </p:cSld>
@@ -5249,14 +5235,14 @@
           </a:ln>
           <a:extLst>
             <a:ext uri="{909E8E84-426E-40DD-AFC4-6F175D3DCCD1}">
-              <a14:hiddenFill xmlns="" xmlns:a14="http://schemas.microsoft.com/office/drawing/2010/main">
+              <a14:hiddenFill xmlns:a14="http://schemas.microsoft.com/office/drawing/2010/main" xmlns="">
                 <a:solidFill>
                   <a:srgbClr val="FFFFFF"/>
                 </a:solidFill>
               </a14:hiddenFill>
             </a:ext>
             <a:ext uri="{91240B29-F687-4F45-9708-019B960494DF}">
-              <a14:hiddenLine xmlns="" xmlns:a14="http://schemas.microsoft.com/office/drawing/2010/main" w="9525">
+              <a14:hiddenLine xmlns:a14="http://schemas.microsoft.com/office/drawing/2010/main" xmlns="" w="9525">
                 <a:solidFill>
                   <a:srgbClr val="000000"/>
                 </a:solidFill>
@@ -5495,14 +5481,14 @@
           </a:ln>
           <a:extLst>
             <a:ext uri="{909E8E84-426E-40DD-AFC4-6F175D3DCCD1}">
-              <a14:hiddenFill xmlns="" xmlns:a14="http://schemas.microsoft.com/office/drawing/2010/main">
+              <a14:hiddenFill xmlns:a14="http://schemas.microsoft.com/office/drawing/2010/main" xmlns="">
                 <a:solidFill>
                   <a:srgbClr val="FFFFFF"/>
                 </a:solidFill>
               </a14:hiddenFill>
             </a:ext>
             <a:ext uri="{91240B29-F687-4F45-9708-019B960494DF}">
-              <a14:hiddenLine xmlns="" xmlns:a14="http://schemas.microsoft.com/office/drawing/2010/main" w="9525">
+              <a14:hiddenLine xmlns:a14="http://schemas.microsoft.com/office/drawing/2010/main" xmlns="" w="9525">
                 <a:solidFill>
                   <a:srgbClr val="000000"/>
                 </a:solidFill>
@@ -5591,7 +5577,15 @@
                   <a:prstClr val="black"/>
                 </a:solidFill>
               </a:rPr>
-              <a:t>Projektplan aktualisiert</a:t>
+              <a:t>Projektplan </a:t>
+            </a:r>
+            <a:r>
+              <a:rPr lang="de-DE" altLang="de-DE" sz="2400" dirty="0" smtClean="0">
+                <a:solidFill>
+                  <a:prstClr val="black"/>
+                </a:solidFill>
+              </a:rPr>
+              <a:t>aktualisiert</a:t>
             </a:r>
           </a:p>
           <a:p>
@@ -5606,64 +5600,65 @@
               <a:buChar char="-"/>
             </a:pPr>
             <a:r>
-              <a:rPr lang="de-DE" altLang="de-DE" sz="2400" dirty="0" err="1" smtClean="0">
+              <a:rPr lang="de-DE" altLang="de-DE" sz="2400" dirty="0" smtClean="0">
                 <a:solidFill>
                   <a:prstClr val="black"/>
                 </a:solidFill>
               </a:rPr>
-              <a:t>Milestones</a:t>
-            </a:r>
-            <a:r>
-              <a:rPr lang="de-DE" altLang="de-DE" sz="2400" dirty="0" smtClean="0">
-                <a:solidFill>
-                  <a:prstClr val="black"/>
-                </a:solidFill>
-              </a:rPr>
-              <a:t> eingefügt</a:t>
-            </a:r>
-          </a:p>
-          <a:p>
-            <a:pPr lvl="0">
-              <a:spcBef>
-                <a:spcPct val="0"/>
-              </a:spcBef>
-              <a:spcAft>
-                <a:spcPct val="0"/>
-              </a:spcAft>
-              <a:buFontTx/>
-              <a:buChar char="-"/>
-            </a:pPr>
-            <a:r>
-              <a:rPr lang="de-DE" altLang="de-DE" sz="2400" dirty="0" smtClean="0">
-                <a:solidFill>
-                  <a:prstClr val="black"/>
-                </a:solidFill>
-              </a:rPr>
-              <a:t>Verknüpfungen gesetzt</a:t>
-            </a:r>
-          </a:p>
-          <a:p>
-            <a:pPr lvl="0">
-              <a:spcBef>
-                <a:spcPct val="0"/>
-              </a:spcBef>
-              <a:spcAft>
-                <a:spcPct val="0"/>
-              </a:spcAft>
-              <a:buFontTx/>
-              <a:buChar char="-"/>
-            </a:pPr>
-            <a:endParaRPr lang="de-DE" altLang="de-DE" sz="2400" dirty="0">
+              <a:t>Zusammengesetzte Vorgänge eingefügt</a:t>
+            </a:r>
+            <a:endParaRPr lang="de-DE" altLang="de-DE" sz="2400" dirty="0" smtClean="0">
               <a:solidFill>
                 <a:prstClr val="black"/>
               </a:solidFill>
             </a:endParaRPr>
           </a:p>
+          <a:p>
+            <a:pPr lvl="0">
+              <a:spcBef>
+                <a:spcPct val="0"/>
+              </a:spcBef>
+              <a:spcAft>
+                <a:spcPct val="0"/>
+              </a:spcAft>
+              <a:buFontTx/>
+              <a:buChar char="-"/>
+            </a:pPr>
+            <a:r>
+              <a:rPr lang="de-DE" altLang="de-DE" sz="2400" dirty="0" err="1" smtClean="0">
+                <a:solidFill>
+                  <a:prstClr val="black"/>
+                </a:solidFill>
+              </a:rPr>
+              <a:t>Milestones</a:t>
+            </a:r>
+            <a:r>
+              <a:rPr lang="de-DE" altLang="de-DE" sz="2400" dirty="0" smtClean="0">
+                <a:solidFill>
+                  <a:prstClr val="black"/>
+                </a:solidFill>
+              </a:rPr>
+              <a:t> </a:t>
+            </a:r>
+            <a:r>
+              <a:rPr lang="de-DE" altLang="de-DE" sz="2400" dirty="0" smtClean="0">
+                <a:solidFill>
+                  <a:prstClr val="black"/>
+                </a:solidFill>
+              </a:rPr>
+              <a:t>eingefügt</a:t>
+            </a:r>
+            <a:endParaRPr lang="de-DE" altLang="de-DE" sz="2400" dirty="0" smtClean="0">
+              <a:solidFill>
+                <a:prstClr val="black"/>
+              </a:solidFill>
+            </a:endParaRPr>
+          </a:p>
         </p:txBody>
       </p:sp>
       <p:pic>
         <p:nvPicPr>
-          <p:cNvPr id="1027" name="Picture 3"/>
+          <p:cNvPr id="1026" name="Picture 2"/>
           <p:cNvPicPr>
             <a:picLocks noChangeAspect="1" noChangeArrowheads="1"/>
           </p:cNvPicPr>
@@ -5678,8 +5673,8 @@
         </p:blipFill>
         <p:spPr bwMode="auto">
           <a:xfrm>
-            <a:off x="142844" y="2928934"/>
-            <a:ext cx="8501122" cy="2786319"/>
+            <a:off x="285720" y="2643182"/>
+            <a:ext cx="8715404" cy="3494377"/>
           </a:xfrm>
           <a:prstGeom prst="rect">
             <a:avLst/>
@@ -5782,14 +5777,14 @@
           </a:ln>
           <a:extLst>
             <a:ext uri="{909E8E84-426E-40DD-AFC4-6F175D3DCCD1}">
-              <a14:hiddenFill xmlns="" xmlns:a14="http://schemas.microsoft.com/office/drawing/2010/main">
+              <a14:hiddenFill xmlns:a14="http://schemas.microsoft.com/office/drawing/2010/main" xmlns="">
                 <a:solidFill>
                   <a:srgbClr val="FFFFFF"/>
                 </a:solidFill>
               </a14:hiddenFill>
             </a:ext>
             <a:ext uri="{91240B29-F687-4F45-9708-019B960494DF}">
-              <a14:hiddenLine xmlns="" xmlns:a14="http://schemas.microsoft.com/office/drawing/2010/main" w="9525">
+              <a14:hiddenLine xmlns:a14="http://schemas.microsoft.com/office/drawing/2010/main" xmlns="" w="9525">
                 <a:solidFill>
                   <a:srgbClr val="000000"/>
                 </a:solidFill>

--- a/Dokumente/Coaching/2016-11-02 Präsentation Projektmgmt.pptx
+++ b/Dokumente/Coaching/2016-11-02 Präsentation Projektmgmt.pptx
@@ -327,7 +327,7 @@
     </p:spTree>
     <p:extLst>
       <p:ext uri="{BB962C8B-B14F-4D97-AF65-F5344CB8AC3E}">
-        <p14:creationId xmlns:p14="http://schemas.microsoft.com/office/powerpoint/2010/main" xmlns="" val="2667667891"/>
+        <p14:creationId xmlns="" xmlns:p14="http://schemas.microsoft.com/office/powerpoint/2010/main" val="2667667891"/>
       </p:ext>
     </p:extLst>
   </p:cSld>
@@ -605,7 +605,7 @@
     </p:spTree>
     <p:extLst>
       <p:ext uri="{BB962C8B-B14F-4D97-AF65-F5344CB8AC3E}">
-        <p14:creationId xmlns:p14="http://schemas.microsoft.com/office/powerpoint/2010/main" xmlns="" val="2795533648"/>
+        <p14:creationId xmlns="" xmlns:p14="http://schemas.microsoft.com/office/powerpoint/2010/main" val="2795533648"/>
       </p:ext>
     </p:extLst>
   </p:cSld>
@@ -778,7 +778,7 @@
           </a:ln>
           <a:extLst>
             <a:ext uri="{909E8E84-426E-40DD-AFC4-6F175D3DCCD1}">
-              <a14:hiddenFill xmlns:a14="http://schemas.microsoft.com/office/drawing/2010/main" xmlns="">
+              <a14:hiddenFill xmlns="" xmlns:a14="http://schemas.microsoft.com/office/drawing/2010/main">
                 <a:solidFill>
                   <a:srgbClr val="FFFFFF"/>
                 </a:solidFill>
@@ -801,14 +801,14 @@
           <a:noFill/>
           <a:extLst>
             <a:ext uri="{909E8E84-426E-40DD-AFC4-6F175D3DCCD1}">
-              <a14:hiddenFill xmlns:a14="http://schemas.microsoft.com/office/drawing/2010/main" xmlns="">
+              <a14:hiddenFill xmlns="" xmlns:a14="http://schemas.microsoft.com/office/drawing/2010/main">
                 <a:solidFill>
                   <a:srgbClr val="FFFFFF"/>
                 </a:solidFill>
               </a14:hiddenFill>
             </a:ext>
             <a:ext uri="{91240B29-F687-4F45-9708-019B960494DF}">
-              <a14:hiddenLine xmlns:a14="http://schemas.microsoft.com/office/drawing/2010/main" xmlns="" w="9525">
+              <a14:hiddenLine xmlns="" xmlns:a14="http://schemas.microsoft.com/office/drawing/2010/main" w="9525">
                 <a:solidFill>
                   <a:srgbClr val="000000"/>
                 </a:solidFill>
@@ -845,14 +845,14 @@
           <a:noFill/>
           <a:extLst>
             <a:ext uri="{909E8E84-426E-40DD-AFC4-6F175D3DCCD1}">
-              <a14:hiddenFill xmlns:a14="http://schemas.microsoft.com/office/drawing/2010/main" xmlns="">
+              <a14:hiddenFill xmlns="" xmlns:a14="http://schemas.microsoft.com/office/drawing/2010/main">
                 <a:solidFill>
                   <a:srgbClr val="FFFFFF"/>
                 </a:solidFill>
               </a14:hiddenFill>
             </a:ext>
             <a:ext uri="{91240B29-F687-4F45-9708-019B960494DF}">
-              <a14:hiddenLine xmlns:a14="http://schemas.microsoft.com/office/drawing/2010/main" xmlns="" w="9525">
+              <a14:hiddenLine xmlns="" xmlns:a14="http://schemas.microsoft.com/office/drawing/2010/main" w="9525">
                 <a:solidFill>
                   <a:srgbClr val="000000"/>
                 </a:solidFill>
@@ -1029,7 +1029,7 @@
           </a:ln>
           <a:extLst>
             <a:ext uri="{909E8E84-426E-40DD-AFC4-6F175D3DCCD1}">
-              <a14:hiddenFill xmlns:a14="http://schemas.microsoft.com/office/drawing/2010/main" xmlns="">
+              <a14:hiddenFill xmlns="" xmlns:a14="http://schemas.microsoft.com/office/drawing/2010/main">
                 <a:solidFill>
                   <a:srgbClr val="FFFFFF"/>
                 </a:solidFill>
@@ -1052,14 +1052,14 @@
           <a:noFill/>
           <a:extLst>
             <a:ext uri="{909E8E84-426E-40DD-AFC4-6F175D3DCCD1}">
-              <a14:hiddenFill xmlns:a14="http://schemas.microsoft.com/office/drawing/2010/main" xmlns="">
+              <a14:hiddenFill xmlns="" xmlns:a14="http://schemas.microsoft.com/office/drawing/2010/main">
                 <a:solidFill>
                   <a:srgbClr val="FFFFFF"/>
                 </a:solidFill>
               </a14:hiddenFill>
             </a:ext>
             <a:ext uri="{91240B29-F687-4F45-9708-019B960494DF}">
-              <a14:hiddenLine xmlns:a14="http://schemas.microsoft.com/office/drawing/2010/main" xmlns="" w="9525">
+              <a14:hiddenLine xmlns="" xmlns:a14="http://schemas.microsoft.com/office/drawing/2010/main" w="9525">
                 <a:solidFill>
                   <a:srgbClr val="000000"/>
                 </a:solidFill>
@@ -1096,14 +1096,14 @@
           <a:noFill/>
           <a:extLst>
             <a:ext uri="{909E8E84-426E-40DD-AFC4-6F175D3DCCD1}">
-              <a14:hiddenFill xmlns:a14="http://schemas.microsoft.com/office/drawing/2010/main" xmlns="">
+              <a14:hiddenFill xmlns="" xmlns:a14="http://schemas.microsoft.com/office/drawing/2010/main">
                 <a:solidFill>
                   <a:srgbClr val="FFFFFF"/>
                 </a:solidFill>
               </a14:hiddenFill>
             </a:ext>
             <a:ext uri="{91240B29-F687-4F45-9708-019B960494DF}">
-              <a14:hiddenLine xmlns:a14="http://schemas.microsoft.com/office/drawing/2010/main" xmlns="" w="9525">
+              <a14:hiddenLine xmlns="" xmlns:a14="http://schemas.microsoft.com/office/drawing/2010/main" w="9525">
                 <a:solidFill>
                   <a:srgbClr val="000000"/>
                 </a:solidFill>
@@ -1336,7 +1336,7 @@
           <a:blip r:embed="rId2">
             <a:extLst>
               <a:ext uri="{28A0092B-C50C-407E-A947-70E740481C1C}">
-                <a14:useLocalDpi xmlns:a14="http://schemas.microsoft.com/office/drawing/2010/main" xmlns="" val="0"/>
+                <a14:useLocalDpi xmlns="" xmlns:a14="http://schemas.microsoft.com/office/drawing/2010/main" val="0"/>
               </a:ext>
             </a:extLst>
           </a:blip>
@@ -1359,14 +1359,14 @@
           </a:ln>
           <a:extLst>
             <a:ext uri="{909E8E84-426E-40DD-AFC4-6F175D3DCCD1}">
-              <a14:hiddenFill xmlns:a14="http://schemas.microsoft.com/office/drawing/2010/main" xmlns="">
+              <a14:hiddenFill xmlns="" xmlns:a14="http://schemas.microsoft.com/office/drawing/2010/main">
                 <a:solidFill>
                   <a:srgbClr val="FFFFFF"/>
                 </a:solidFill>
               </a14:hiddenFill>
             </a:ext>
             <a:ext uri="{91240B29-F687-4F45-9708-019B960494DF}">
-              <a14:hiddenLine xmlns:a14="http://schemas.microsoft.com/office/drawing/2010/main" xmlns="" w="9525">
+              <a14:hiddenLine xmlns="" xmlns:a14="http://schemas.microsoft.com/office/drawing/2010/main" w="9525">
                 <a:solidFill>
                   <a:srgbClr val="000000"/>
                 </a:solidFill>
@@ -1598,7 +1598,7 @@
     </p:spTree>
     <p:extLst>
       <p:ext uri="{BB962C8B-B14F-4D97-AF65-F5344CB8AC3E}">
-        <p14:creationId xmlns:p14="http://schemas.microsoft.com/office/powerpoint/2010/main" xmlns="" val="161433667"/>
+        <p14:creationId xmlns="" xmlns:p14="http://schemas.microsoft.com/office/powerpoint/2010/main" val="161433667"/>
       </p:ext>
     </p:extLst>
   </p:cSld>
@@ -1783,7 +1783,7 @@
           <a:blip r:embed="rId2">
             <a:extLst>
               <a:ext uri="{28A0092B-C50C-407E-A947-70E740481C1C}">
-                <a14:useLocalDpi xmlns:a14="http://schemas.microsoft.com/office/drawing/2010/main" xmlns="" val="0"/>
+                <a14:useLocalDpi xmlns="" xmlns:a14="http://schemas.microsoft.com/office/drawing/2010/main" val="0"/>
               </a:ext>
             </a:extLst>
           </a:blip>
@@ -1806,14 +1806,14 @@
           </a:ln>
           <a:extLst>
             <a:ext uri="{909E8E84-426E-40DD-AFC4-6F175D3DCCD1}">
-              <a14:hiddenFill xmlns:a14="http://schemas.microsoft.com/office/drawing/2010/main" xmlns="">
+              <a14:hiddenFill xmlns="" xmlns:a14="http://schemas.microsoft.com/office/drawing/2010/main">
                 <a:solidFill>
                   <a:srgbClr val="FFFFFF"/>
                 </a:solidFill>
               </a14:hiddenFill>
             </a:ext>
             <a:ext uri="{91240B29-F687-4F45-9708-019B960494DF}">
-              <a14:hiddenLine xmlns:a14="http://schemas.microsoft.com/office/drawing/2010/main" xmlns="" w="9525">
+              <a14:hiddenLine xmlns="" xmlns:a14="http://schemas.microsoft.com/office/drawing/2010/main" w="9525">
                 <a:solidFill>
                   <a:srgbClr val="000000"/>
                 </a:solidFill>
@@ -1955,7 +1955,7 @@
     </p:spTree>
     <p:extLst>
       <p:ext uri="{BB962C8B-B14F-4D97-AF65-F5344CB8AC3E}">
-        <p14:creationId xmlns:p14="http://schemas.microsoft.com/office/powerpoint/2010/main" xmlns="" val="3865959554"/>
+        <p14:creationId xmlns="" xmlns:p14="http://schemas.microsoft.com/office/powerpoint/2010/main" val="3865959554"/>
       </p:ext>
     </p:extLst>
   </p:cSld>
@@ -2140,7 +2140,7 @@
           <a:blip r:embed="rId2">
             <a:extLst>
               <a:ext uri="{28A0092B-C50C-407E-A947-70E740481C1C}">
-                <a14:useLocalDpi xmlns:a14="http://schemas.microsoft.com/office/drawing/2010/main" xmlns="" val="0"/>
+                <a14:useLocalDpi xmlns="" xmlns:a14="http://schemas.microsoft.com/office/drawing/2010/main" val="0"/>
               </a:ext>
             </a:extLst>
           </a:blip>
@@ -2163,14 +2163,14 @@
           </a:ln>
           <a:extLst>
             <a:ext uri="{909E8E84-426E-40DD-AFC4-6F175D3DCCD1}">
-              <a14:hiddenFill xmlns:a14="http://schemas.microsoft.com/office/drawing/2010/main" xmlns="">
+              <a14:hiddenFill xmlns="" xmlns:a14="http://schemas.microsoft.com/office/drawing/2010/main">
                 <a:solidFill>
                   <a:srgbClr val="FFFFFF"/>
                 </a:solidFill>
               </a14:hiddenFill>
             </a:ext>
             <a:ext uri="{91240B29-F687-4F45-9708-019B960494DF}">
-              <a14:hiddenLine xmlns:a14="http://schemas.microsoft.com/office/drawing/2010/main" xmlns="" w="9525">
+              <a14:hiddenLine xmlns="" xmlns:a14="http://schemas.microsoft.com/office/drawing/2010/main" w="9525">
                 <a:solidFill>
                   <a:srgbClr val="000000"/>
                 </a:solidFill>
@@ -2341,7 +2341,7 @@
     </p:spTree>
     <p:extLst>
       <p:ext uri="{BB962C8B-B14F-4D97-AF65-F5344CB8AC3E}">
-        <p14:creationId xmlns:p14="http://schemas.microsoft.com/office/powerpoint/2010/main" xmlns="" val="3404298785"/>
+        <p14:creationId xmlns="" xmlns:p14="http://schemas.microsoft.com/office/powerpoint/2010/main" val="3404298785"/>
       </p:ext>
     </p:extLst>
   </p:cSld>
@@ -2526,7 +2526,7 @@
           <a:blip r:embed="rId2">
             <a:extLst>
               <a:ext uri="{28A0092B-C50C-407E-A947-70E740481C1C}">
-                <a14:useLocalDpi xmlns:a14="http://schemas.microsoft.com/office/drawing/2010/main" xmlns="" val="0"/>
+                <a14:useLocalDpi xmlns="" xmlns:a14="http://schemas.microsoft.com/office/drawing/2010/main" val="0"/>
               </a:ext>
             </a:extLst>
           </a:blip>
@@ -2549,14 +2549,14 @@
           </a:ln>
           <a:extLst>
             <a:ext uri="{909E8E84-426E-40DD-AFC4-6F175D3DCCD1}">
-              <a14:hiddenFill xmlns:a14="http://schemas.microsoft.com/office/drawing/2010/main" xmlns="">
+              <a14:hiddenFill xmlns="" xmlns:a14="http://schemas.microsoft.com/office/drawing/2010/main">
                 <a:solidFill>
                   <a:srgbClr val="FFFFFF"/>
                 </a:solidFill>
               </a14:hiddenFill>
             </a:ext>
             <a:ext uri="{91240B29-F687-4F45-9708-019B960494DF}">
-              <a14:hiddenLine xmlns:a14="http://schemas.microsoft.com/office/drawing/2010/main" xmlns="" w="9525">
+              <a14:hiddenLine xmlns="" xmlns:a14="http://schemas.microsoft.com/office/drawing/2010/main" w="9525">
                 <a:solidFill>
                   <a:srgbClr val="000000"/>
                 </a:solidFill>
@@ -2784,7 +2784,7 @@
     </p:spTree>
     <p:extLst>
       <p:ext uri="{BB962C8B-B14F-4D97-AF65-F5344CB8AC3E}">
-        <p14:creationId xmlns:p14="http://schemas.microsoft.com/office/powerpoint/2010/main" xmlns="" val="3982439678"/>
+        <p14:creationId xmlns="" xmlns:p14="http://schemas.microsoft.com/office/powerpoint/2010/main" val="3982439678"/>
       </p:ext>
     </p:extLst>
   </p:cSld>
@@ -2893,7 +2893,7 @@
           <a:blip r:embed="rId2">
             <a:extLst>
               <a:ext uri="{28A0092B-C50C-407E-A947-70E740481C1C}">
-                <a14:useLocalDpi xmlns:a14="http://schemas.microsoft.com/office/drawing/2010/main" xmlns="" val="0"/>
+                <a14:useLocalDpi xmlns="" xmlns:a14="http://schemas.microsoft.com/office/drawing/2010/main" val="0"/>
               </a:ext>
             </a:extLst>
           </a:blip>
@@ -2916,14 +2916,14 @@
           </a:ln>
           <a:extLst>
             <a:ext uri="{909E8E84-426E-40DD-AFC4-6F175D3DCCD1}">
-              <a14:hiddenFill xmlns:a14="http://schemas.microsoft.com/office/drawing/2010/main" xmlns="">
+              <a14:hiddenFill xmlns="" xmlns:a14="http://schemas.microsoft.com/office/drawing/2010/main">
                 <a:solidFill>
                   <a:srgbClr val="FFFFFF"/>
                 </a:solidFill>
               </a14:hiddenFill>
             </a:ext>
             <a:ext uri="{91240B29-F687-4F45-9708-019B960494DF}">
-              <a14:hiddenLine xmlns:a14="http://schemas.microsoft.com/office/drawing/2010/main" xmlns="" w="9525">
+              <a14:hiddenLine xmlns="" xmlns:a14="http://schemas.microsoft.com/office/drawing/2010/main" w="9525">
                 <a:solidFill>
                   <a:srgbClr val="000000"/>
                 </a:solidFill>
@@ -3037,7 +3037,7 @@
     </p:spTree>
     <p:extLst>
       <p:ext uri="{BB962C8B-B14F-4D97-AF65-F5344CB8AC3E}">
-        <p14:creationId xmlns:p14="http://schemas.microsoft.com/office/powerpoint/2010/main" xmlns="" val="3524090375"/>
+        <p14:creationId xmlns="" xmlns:p14="http://schemas.microsoft.com/office/powerpoint/2010/main" val="3524090375"/>
       </p:ext>
     </p:extLst>
   </p:cSld>
@@ -3096,14 +3096,14 @@
           </a:ln>
           <a:extLst>
             <a:ext uri="{909E8E84-426E-40DD-AFC4-6F175D3DCCD1}">
-              <a14:hiddenFill xmlns:a14="http://schemas.microsoft.com/office/drawing/2010/main" xmlns="">
+              <a14:hiddenFill xmlns="" xmlns:a14="http://schemas.microsoft.com/office/drawing/2010/main">
                 <a:solidFill>
                   <a:srgbClr val="FFFFFF"/>
                 </a:solidFill>
               </a14:hiddenFill>
             </a:ext>
             <a:ext uri="{91240B29-F687-4F45-9708-019B960494DF}">
-              <a14:hiddenLine xmlns:a14="http://schemas.microsoft.com/office/drawing/2010/main" xmlns="" w="9525">
+              <a14:hiddenLine xmlns="" xmlns:a14="http://schemas.microsoft.com/office/drawing/2010/main" w="9525">
                 <a:solidFill>
                   <a:srgbClr val="000000"/>
                 </a:solidFill>
@@ -3154,14 +3154,14 @@
           </a:ln>
           <a:extLst>
             <a:ext uri="{909E8E84-426E-40DD-AFC4-6F175D3DCCD1}">
-              <a14:hiddenFill xmlns:a14="http://schemas.microsoft.com/office/drawing/2010/main" xmlns="">
+              <a14:hiddenFill xmlns="" xmlns:a14="http://schemas.microsoft.com/office/drawing/2010/main">
                 <a:solidFill>
                   <a:srgbClr val="FFFFFF"/>
                 </a:solidFill>
               </a14:hiddenFill>
             </a:ext>
             <a:ext uri="{91240B29-F687-4F45-9708-019B960494DF}">
-              <a14:hiddenLine xmlns:a14="http://schemas.microsoft.com/office/drawing/2010/main" xmlns="" w="9525">
+              <a14:hiddenLine xmlns="" xmlns:a14="http://schemas.microsoft.com/office/drawing/2010/main" w="9525">
                 <a:solidFill>
                   <a:srgbClr val="000000"/>
                 </a:solidFill>
@@ -3956,7 +3956,7 @@
     </p:spTree>
     <p:extLst>
       <p:ext uri="{BB962C8B-B14F-4D97-AF65-F5344CB8AC3E}">
-        <p14:creationId xmlns:p14="http://schemas.microsoft.com/office/powerpoint/2010/main" xmlns="" val="3083275860"/>
+        <p14:creationId xmlns="" xmlns:p14="http://schemas.microsoft.com/office/powerpoint/2010/main" val="3083275860"/>
       </p:ext>
     </p:extLst>
   </p:cSld>
@@ -4066,14 +4066,14 @@
           <a:noFill/>
           <a:extLst>
             <a:ext uri="{909E8E84-426E-40DD-AFC4-6F175D3DCCD1}">
-              <a14:hiddenFill xmlns:a14="http://schemas.microsoft.com/office/drawing/2010/main" xmlns="">
+              <a14:hiddenFill xmlns="" xmlns:a14="http://schemas.microsoft.com/office/drawing/2010/main">
                 <a:solidFill>
                   <a:srgbClr val="FFFFFF"/>
                 </a:solidFill>
               </a14:hiddenFill>
             </a:ext>
             <a:ext uri="{91240B29-F687-4F45-9708-019B960494DF}">
-              <a14:hiddenLine xmlns:a14="http://schemas.microsoft.com/office/drawing/2010/main" xmlns="" w="9525">
+              <a14:hiddenLine xmlns="" xmlns:a14="http://schemas.microsoft.com/office/drawing/2010/main" w="9525">
                 <a:solidFill>
                   <a:srgbClr val="000000"/>
                 </a:solidFill>
@@ -4831,7 +4831,7 @@
     </p:spTree>
     <p:extLst>
       <p:ext uri="{BB962C8B-B14F-4D97-AF65-F5344CB8AC3E}">
-        <p14:creationId xmlns:p14="http://schemas.microsoft.com/office/powerpoint/2010/main" xmlns="" val="1764744486"/>
+        <p14:creationId xmlns="" xmlns:p14="http://schemas.microsoft.com/office/powerpoint/2010/main" val="1764744486"/>
       </p:ext>
     </p:extLst>
   </p:cSld>
@@ -5152,7 +5152,7 @@
     </p:spTree>
     <p:extLst>
       <p:ext uri="{BB962C8B-B14F-4D97-AF65-F5344CB8AC3E}">
-        <p14:creationId xmlns:p14="http://schemas.microsoft.com/office/powerpoint/2010/main" xmlns="" val="1764744486"/>
+        <p14:creationId xmlns="" xmlns:p14="http://schemas.microsoft.com/office/powerpoint/2010/main" val="1764744486"/>
       </p:ext>
     </p:extLst>
   </p:cSld>
@@ -5235,14 +5235,14 @@
           </a:ln>
           <a:extLst>
             <a:ext uri="{909E8E84-426E-40DD-AFC4-6F175D3DCCD1}">
-              <a14:hiddenFill xmlns:a14="http://schemas.microsoft.com/office/drawing/2010/main" xmlns="">
+              <a14:hiddenFill xmlns="" xmlns:a14="http://schemas.microsoft.com/office/drawing/2010/main">
                 <a:solidFill>
                   <a:srgbClr val="FFFFFF"/>
                 </a:solidFill>
               </a14:hiddenFill>
             </a:ext>
             <a:ext uri="{91240B29-F687-4F45-9708-019B960494DF}">
-              <a14:hiddenLine xmlns:a14="http://schemas.microsoft.com/office/drawing/2010/main" xmlns="" w="9525">
+              <a14:hiddenLine xmlns="" xmlns:a14="http://schemas.microsoft.com/office/drawing/2010/main" w="9525">
                 <a:solidFill>
                   <a:srgbClr val="000000"/>
                 </a:solidFill>
@@ -5331,8 +5331,29 @@
                   <a:prstClr val="black"/>
                 </a:solidFill>
               </a:rPr>
-              <a:t>Erster Entwurf Lastenheft erstellt</a:t>
-            </a:r>
+              <a:t>Ersten </a:t>
+            </a:r>
+            <a:r>
+              <a:rPr lang="de-DE" altLang="de-DE" sz="2400" dirty="0" smtClean="0">
+                <a:solidFill>
+                  <a:prstClr val="black"/>
+                </a:solidFill>
+              </a:rPr>
+              <a:t>Entwurf Lastenheft </a:t>
+            </a:r>
+            <a:r>
+              <a:rPr lang="de-DE" altLang="de-DE" sz="2400" dirty="0" smtClean="0">
+                <a:solidFill>
+                  <a:prstClr val="black"/>
+                </a:solidFill>
+              </a:rPr>
+              <a:t>begonnen</a:t>
+            </a:r>
+            <a:endParaRPr lang="de-DE" altLang="de-DE" sz="2400" dirty="0" smtClean="0">
+              <a:solidFill>
+                <a:prstClr val="black"/>
+              </a:solidFill>
+            </a:endParaRPr>
           </a:p>
           <a:p>
             <a:pPr lvl="0">
@@ -5481,14 +5502,14 @@
           </a:ln>
           <a:extLst>
             <a:ext uri="{909E8E84-426E-40DD-AFC4-6F175D3DCCD1}">
-              <a14:hiddenFill xmlns:a14="http://schemas.microsoft.com/office/drawing/2010/main" xmlns="">
+              <a14:hiddenFill xmlns="" xmlns:a14="http://schemas.microsoft.com/office/drawing/2010/main">
                 <a:solidFill>
                   <a:srgbClr val="FFFFFF"/>
                 </a:solidFill>
               </a14:hiddenFill>
             </a:ext>
             <a:ext uri="{91240B29-F687-4F45-9708-019B960494DF}">
-              <a14:hiddenLine xmlns:a14="http://schemas.microsoft.com/office/drawing/2010/main" xmlns="" w="9525">
+              <a14:hiddenLine xmlns="" xmlns:a14="http://schemas.microsoft.com/office/drawing/2010/main" w="9525">
                 <a:solidFill>
                   <a:srgbClr val="000000"/>
                 </a:solidFill>
@@ -5577,15 +5598,7 @@
                   <a:prstClr val="black"/>
                 </a:solidFill>
               </a:rPr>
-              <a:t>Projektplan </a:t>
-            </a:r>
-            <a:r>
-              <a:rPr lang="de-DE" altLang="de-DE" sz="2400" dirty="0" smtClean="0">
-                <a:solidFill>
-                  <a:prstClr val="black"/>
-                </a:solidFill>
-              </a:rPr>
-              <a:t>aktualisiert</a:t>
+              <a:t>Projektplan aktualisiert</a:t>
             </a:r>
           </a:p>
           <a:p>
@@ -5607,11 +5620,6 @@
               </a:rPr>
               <a:t>Zusammengesetzte Vorgänge eingefügt</a:t>
             </a:r>
-            <a:endParaRPr lang="de-DE" altLang="de-DE" sz="2400" dirty="0" smtClean="0">
-              <a:solidFill>
-                <a:prstClr val="black"/>
-              </a:solidFill>
-            </a:endParaRPr>
           </a:p>
           <a:p>
             <a:pPr lvl="0">
@@ -5638,21 +5646,8 @@
                   <a:prstClr val="black"/>
                 </a:solidFill>
               </a:rPr>
-              <a:t> </a:t>
-            </a:r>
-            <a:r>
-              <a:rPr lang="de-DE" altLang="de-DE" sz="2400" dirty="0" smtClean="0">
-                <a:solidFill>
-                  <a:prstClr val="black"/>
-                </a:solidFill>
-              </a:rPr>
-              <a:t>eingefügt</a:t>
-            </a:r>
-            <a:endParaRPr lang="de-DE" altLang="de-DE" sz="2400" dirty="0" smtClean="0">
-              <a:solidFill>
-                <a:prstClr val="black"/>
-              </a:solidFill>
-            </a:endParaRPr>
+              <a:t> eingefügt</a:t>
+            </a:r>
           </a:p>
         </p:txBody>
       </p:sp>
@@ -5777,14 +5772,14 @@
           </a:ln>
           <a:extLst>
             <a:ext uri="{909E8E84-426E-40DD-AFC4-6F175D3DCCD1}">
-              <a14:hiddenFill xmlns:a14="http://schemas.microsoft.com/office/drawing/2010/main" xmlns="">
+              <a14:hiddenFill xmlns="" xmlns:a14="http://schemas.microsoft.com/office/drawing/2010/main">
                 <a:solidFill>
                   <a:srgbClr val="FFFFFF"/>
                 </a:solidFill>
               </a14:hiddenFill>
             </a:ext>
             <a:ext uri="{91240B29-F687-4F45-9708-019B960494DF}">
-              <a14:hiddenLine xmlns:a14="http://schemas.microsoft.com/office/drawing/2010/main" xmlns="" w="9525">
+              <a14:hiddenLine xmlns="" xmlns:a14="http://schemas.microsoft.com/office/drawing/2010/main" w="9525">
                 <a:solidFill>
                   <a:srgbClr val="000000"/>
                 </a:solidFill>
